--- a/XML for Android.pptx
+++ b/XML for Android.pptx
@@ -6,6 +6,11 @@
   </p:sldMasterIdLst>
   <p:sldIdLst>
     <p:sldId id="256" r:id="rId2"/>
+    <p:sldId id="257" r:id="rId3"/>
+    <p:sldId id="259" r:id="rId4"/>
+    <p:sldId id="260" r:id="rId5"/>
+    <p:sldId id="261" r:id="rId6"/>
+    <p:sldId id="258" r:id="rId7"/>
   </p:sldIdLst>
   <p:sldSz cx="12192000" cy="6858000"/>
   <p:notesSz cx="6858000" cy="9144000"/>
@@ -5808,6 +5813,477 @@
 </p:sld>
 </file>
 
+<file path=ppt/slides/slide2.xml><?xml version="1.0" encoding="utf-8"?>
+<p:sld xmlns:a="http://schemas.openxmlformats.org/drawingml/2006/main" xmlns:r="http://schemas.openxmlformats.org/officeDocument/2006/relationships" xmlns:p="http://schemas.openxmlformats.org/presentationml/2006/main">
+  <p:cSld>
+    <p:spTree>
+      <p:nvGrpSpPr>
+        <p:cNvPr id="1" name=""/>
+        <p:cNvGrpSpPr/>
+        <p:nvPr/>
+      </p:nvGrpSpPr>
+      <p:grpSpPr>
+        <a:xfrm>
+          <a:off x="0" y="0"/>
+          <a:ext cx="0" cy="0"/>
+          <a:chOff x="0" y="0"/>
+          <a:chExt cx="0" cy="0"/>
+        </a:xfrm>
+      </p:grpSpPr>
+      <p:sp>
+        <p:nvSpPr>
+          <p:cNvPr id="2" name="Title 1"/>
+          <p:cNvSpPr>
+            <a:spLocks noGrp="1"/>
+          </p:cNvSpPr>
+          <p:nvPr>
+            <p:ph type="title"/>
+          </p:nvPr>
+        </p:nvSpPr>
+        <p:spPr/>
+        <p:txBody>
+          <a:bodyPr/>
+          <a:lstStyle/>
+          <a:p>
+            <a:pPr algn="ctr"/>
+            <a:r>
+              <a:rPr lang="en-US" dirty="0"/>
+              <a:t>What is XML?</a:t>
+            </a:r>
+          </a:p>
+        </p:txBody>
+      </p:sp>
+      <p:sp>
+        <p:nvSpPr>
+          <p:cNvPr id="3" name="Content Placeholder 2"/>
+          <p:cNvSpPr>
+            <a:spLocks noGrp="1"/>
+          </p:cNvSpPr>
+          <p:nvPr>
+            <p:ph idx="1"/>
+          </p:nvPr>
+        </p:nvSpPr>
+        <p:spPr/>
+        <p:txBody>
+          <a:bodyPr/>
+          <a:lstStyle/>
+          <a:p>
+            <a:r>
+              <a:rPr lang="en-US" dirty="0" err="1"/>
+              <a:t>eXtensable</a:t>
+            </a:r>
+            <a:r>
+              <a:rPr lang="en-US" dirty="0"/>
+              <a:t> Markup Language</a:t>
+            </a:r>
+            <a:br>
+              <a:rPr lang="en-US" dirty="0"/>
+            </a:br>
+            <a:endParaRPr lang="en-US" dirty="0"/>
+          </a:p>
+          <a:p>
+            <a:r>
+              <a:rPr lang="en-US" dirty="0"/>
+              <a:t>Similar to HTML in that it performs no logic</a:t>
+            </a:r>
+            <a:br>
+              <a:rPr lang="en-US" dirty="0"/>
+            </a:br>
+            <a:endParaRPr lang="en-US" dirty="0"/>
+          </a:p>
+          <a:p>
+            <a:r>
+              <a:rPr lang="en-US" dirty="0"/>
+              <a:t>Used to store static resources in an organized manner that is independent of any application that may access the information</a:t>
+            </a:r>
+          </a:p>
+        </p:txBody>
+      </p:sp>
+    </p:spTree>
+    <p:extLst>
+      <p:ext uri="{BB962C8B-B14F-4D97-AF65-F5344CB8AC3E}">
+        <p14:creationId xmlns:p14="http://schemas.microsoft.com/office/powerpoint/2010/main" val="763977461"/>
+      </p:ext>
+    </p:extLst>
+  </p:cSld>
+  <p:clrMapOvr>
+    <a:masterClrMapping/>
+  </p:clrMapOvr>
+</p:sld>
+</file>
+
+<file path=ppt/slides/slide3.xml><?xml version="1.0" encoding="utf-8"?>
+<p:sld xmlns:a="http://schemas.openxmlformats.org/drawingml/2006/main" xmlns:r="http://schemas.openxmlformats.org/officeDocument/2006/relationships" xmlns:p="http://schemas.openxmlformats.org/presentationml/2006/main">
+  <p:cSld>
+    <p:spTree>
+      <p:nvGrpSpPr>
+        <p:cNvPr id="1" name=""/>
+        <p:cNvGrpSpPr/>
+        <p:nvPr/>
+      </p:nvGrpSpPr>
+      <p:grpSpPr>
+        <a:xfrm>
+          <a:off x="0" y="0"/>
+          <a:ext cx="0" cy="0"/>
+          <a:chOff x="0" y="0"/>
+          <a:chExt cx="0" cy="0"/>
+        </a:xfrm>
+      </p:grpSpPr>
+      <p:sp>
+        <p:nvSpPr>
+          <p:cNvPr id="2" name="Title 1"/>
+          <p:cNvSpPr>
+            <a:spLocks noGrp="1"/>
+          </p:cNvSpPr>
+          <p:nvPr>
+            <p:ph type="title"/>
+          </p:nvPr>
+        </p:nvSpPr>
+        <p:spPr/>
+        <p:txBody>
+          <a:bodyPr/>
+          <a:lstStyle/>
+          <a:p>
+            <a:pPr algn="ctr"/>
+            <a:r>
+              <a:rPr lang="en-US" dirty="0"/>
+              <a:t>How does XML work?</a:t>
+            </a:r>
+          </a:p>
+        </p:txBody>
+      </p:sp>
+      <p:sp>
+        <p:nvSpPr>
+          <p:cNvPr id="3" name="Content Placeholder 2"/>
+          <p:cNvSpPr>
+            <a:spLocks noGrp="1"/>
+          </p:cNvSpPr>
+          <p:nvPr>
+            <p:ph idx="1"/>
+          </p:nvPr>
+        </p:nvSpPr>
+        <p:spPr/>
+        <p:txBody>
+          <a:bodyPr/>
+          <a:lstStyle/>
+          <a:p>
+            <a:r>
+              <a:rPr lang="en-US" dirty="0"/>
+              <a:t>XML only has a handful of requirements to its layout. This is both a strength and a weakness</a:t>
+            </a:r>
+            <a:br>
+              <a:rPr lang="en-US" dirty="0"/>
+            </a:br>
+            <a:endParaRPr lang="en-US" dirty="0"/>
+          </a:p>
+          <a:p>
+            <a:r>
+              <a:rPr lang="en-US" dirty="0"/>
+              <a:t>All XML files must begin with &lt;?xml version=“1.0” encoding=“utf-8”?&gt;</a:t>
+            </a:r>
+            <a:br>
+              <a:rPr lang="en-US" dirty="0"/>
+            </a:br>
+            <a:endParaRPr lang="en-US" dirty="0"/>
+          </a:p>
+          <a:p>
+            <a:r>
+              <a:rPr lang="en-US" dirty="0"/>
+              <a:t>The XML document is a collection of Nodes that either contain further children nodes or some form of text</a:t>
+            </a:r>
+            <a:br>
+              <a:rPr lang="en-US" dirty="0"/>
+            </a:br>
+            <a:endParaRPr lang="en-US" dirty="0"/>
+          </a:p>
+          <a:p>
+            <a:r>
+              <a:rPr lang="en-US" dirty="0"/>
+              <a:t>Remember the purpose of XML is store static resources in a well organized manner for other applications to use. </a:t>
+            </a:r>
+          </a:p>
+        </p:txBody>
+      </p:sp>
+    </p:spTree>
+    <p:extLst>
+      <p:ext uri="{BB962C8B-B14F-4D97-AF65-F5344CB8AC3E}">
+        <p14:creationId xmlns:p14="http://schemas.microsoft.com/office/powerpoint/2010/main" val="4087136672"/>
+      </p:ext>
+    </p:extLst>
+  </p:cSld>
+  <p:clrMapOvr>
+    <a:masterClrMapping/>
+  </p:clrMapOvr>
+</p:sld>
+</file>
+
+<file path=ppt/slides/slide4.xml><?xml version="1.0" encoding="utf-8"?>
+<p:sld xmlns:a="http://schemas.openxmlformats.org/drawingml/2006/main" xmlns:r="http://schemas.openxmlformats.org/officeDocument/2006/relationships" xmlns:p="http://schemas.openxmlformats.org/presentationml/2006/main">
+  <p:cSld>
+    <p:spTree>
+      <p:nvGrpSpPr>
+        <p:cNvPr id="1" name=""/>
+        <p:cNvGrpSpPr/>
+        <p:nvPr/>
+      </p:nvGrpSpPr>
+      <p:grpSpPr>
+        <a:xfrm>
+          <a:off x="0" y="0"/>
+          <a:ext cx="0" cy="0"/>
+          <a:chOff x="0" y="0"/>
+          <a:chExt cx="0" cy="0"/>
+        </a:xfrm>
+      </p:grpSpPr>
+      <p:sp>
+        <p:nvSpPr>
+          <p:cNvPr id="2" name="Title 1"/>
+          <p:cNvSpPr>
+            <a:spLocks noGrp="1"/>
+          </p:cNvSpPr>
+          <p:nvPr>
+            <p:ph type="title"/>
+          </p:nvPr>
+        </p:nvSpPr>
+        <p:spPr/>
+        <p:txBody>
+          <a:bodyPr/>
+          <a:lstStyle/>
+          <a:p>
+            <a:pPr algn="ctr"/>
+            <a:r>
+              <a:rPr lang="en-US" dirty="0"/>
+              <a:t>Example XML Document</a:t>
+            </a:r>
+          </a:p>
+        </p:txBody>
+      </p:sp>
+      <p:pic>
+        <p:nvPicPr>
+          <p:cNvPr id="4" name="Content Placeholder 3"/>
+          <p:cNvPicPr>
+            <a:picLocks noGrp="1" noChangeAspect="1"/>
+          </p:cNvPicPr>
+          <p:nvPr>
+            <p:ph idx="1"/>
+          </p:nvPr>
+        </p:nvPicPr>
+        <p:blipFill>
+          <a:blip r:embed="rId2"/>
+          <a:stretch>
+            <a:fillRect/>
+          </a:stretch>
+        </p:blipFill>
+        <p:spPr>
+          <a:xfrm>
+            <a:off x="2498345" y="1930400"/>
+            <a:ext cx="4954646" cy="4537055"/>
+          </a:xfrm>
+        </p:spPr>
+      </p:pic>
+    </p:spTree>
+    <p:extLst>
+      <p:ext uri="{BB962C8B-B14F-4D97-AF65-F5344CB8AC3E}">
+        <p14:creationId xmlns:p14="http://schemas.microsoft.com/office/powerpoint/2010/main" val="934372243"/>
+      </p:ext>
+    </p:extLst>
+  </p:cSld>
+  <p:clrMapOvr>
+    <a:masterClrMapping/>
+  </p:clrMapOvr>
+</p:sld>
+</file>
+
+<file path=ppt/slides/slide5.xml><?xml version="1.0" encoding="utf-8"?>
+<p:sld xmlns:a="http://schemas.openxmlformats.org/drawingml/2006/main" xmlns:r="http://schemas.openxmlformats.org/officeDocument/2006/relationships" xmlns:p="http://schemas.openxmlformats.org/presentationml/2006/main">
+  <p:cSld>
+    <p:spTree>
+      <p:nvGrpSpPr>
+        <p:cNvPr id="1" name=""/>
+        <p:cNvGrpSpPr/>
+        <p:nvPr/>
+      </p:nvGrpSpPr>
+      <p:grpSpPr>
+        <a:xfrm>
+          <a:off x="0" y="0"/>
+          <a:ext cx="0" cy="0"/>
+          <a:chOff x="0" y="0"/>
+          <a:chExt cx="0" cy="0"/>
+        </a:xfrm>
+      </p:grpSpPr>
+      <p:sp>
+        <p:nvSpPr>
+          <p:cNvPr id="2" name="Title 1"/>
+          <p:cNvSpPr>
+            <a:spLocks noGrp="1"/>
+          </p:cNvSpPr>
+          <p:nvPr>
+            <p:ph type="title"/>
+          </p:nvPr>
+        </p:nvSpPr>
+        <p:spPr/>
+        <p:txBody>
+          <a:bodyPr/>
+          <a:lstStyle/>
+          <a:p>
+            <a:pPr algn="ctr"/>
+            <a:r>
+              <a:rPr lang="en-US" dirty="0"/>
+              <a:t>Example Explained</a:t>
+            </a:r>
+          </a:p>
+        </p:txBody>
+      </p:sp>
+      <p:sp>
+        <p:nvSpPr>
+          <p:cNvPr id="3" name="Content Placeholder 2"/>
+          <p:cNvSpPr>
+            <a:spLocks noGrp="1"/>
+          </p:cNvSpPr>
+          <p:nvPr>
+            <p:ph idx="1"/>
+          </p:nvPr>
+        </p:nvSpPr>
+        <p:spPr/>
+        <p:txBody>
+          <a:bodyPr/>
+          <a:lstStyle/>
+          <a:p>
+            <a:r>
+              <a:rPr lang="en-US" dirty="0"/>
+              <a:t>//TODO: Explain root Node, and children nodes. </a:t>
+            </a:r>
+          </a:p>
+          <a:p>
+            <a:r>
+              <a:rPr lang="en-US" dirty="0"/>
+              <a:t>//TODO: Point out that the only nodes that have attributes are the ones with </a:t>
+            </a:r>
+            <a:r>
+              <a:rPr lang="en-US"/>
+              <a:t>plain text</a:t>
+            </a:r>
+            <a:endParaRPr lang="en-US"/>
+          </a:p>
+        </p:txBody>
+      </p:sp>
+    </p:spTree>
+    <p:extLst>
+      <p:ext uri="{BB962C8B-B14F-4D97-AF65-F5344CB8AC3E}">
+        <p14:creationId xmlns:p14="http://schemas.microsoft.com/office/powerpoint/2010/main" val="2756886873"/>
+      </p:ext>
+    </p:extLst>
+  </p:cSld>
+  <p:clrMapOvr>
+    <a:masterClrMapping/>
+  </p:clrMapOvr>
+</p:sld>
+</file>
+
+<file path=ppt/slides/slide6.xml><?xml version="1.0" encoding="utf-8"?>
+<p:sld xmlns:a="http://schemas.openxmlformats.org/drawingml/2006/main" xmlns:r="http://schemas.openxmlformats.org/officeDocument/2006/relationships" xmlns:p="http://schemas.openxmlformats.org/presentationml/2006/main">
+  <p:cSld>
+    <p:spTree>
+      <p:nvGrpSpPr>
+        <p:cNvPr id="1" name=""/>
+        <p:cNvGrpSpPr/>
+        <p:nvPr/>
+      </p:nvGrpSpPr>
+      <p:grpSpPr>
+        <a:xfrm>
+          <a:off x="0" y="0"/>
+          <a:ext cx="0" cy="0"/>
+          <a:chOff x="0" y="0"/>
+          <a:chExt cx="0" cy="0"/>
+        </a:xfrm>
+      </p:grpSpPr>
+      <p:sp>
+        <p:nvSpPr>
+          <p:cNvPr id="2" name="Title 1"/>
+          <p:cNvSpPr>
+            <a:spLocks noGrp="1"/>
+          </p:cNvSpPr>
+          <p:nvPr>
+            <p:ph type="title"/>
+          </p:nvPr>
+        </p:nvSpPr>
+        <p:spPr/>
+        <p:txBody>
+          <a:bodyPr/>
+          <a:lstStyle/>
+          <a:p>
+            <a:pPr algn="ctr"/>
+            <a:r>
+              <a:rPr lang="en-US" dirty="0"/>
+              <a:t>How is XML used by Android</a:t>
+            </a:r>
+          </a:p>
+        </p:txBody>
+      </p:sp>
+      <p:sp>
+        <p:nvSpPr>
+          <p:cNvPr id="3" name="Content Placeholder 2"/>
+          <p:cNvSpPr>
+            <a:spLocks noGrp="1"/>
+          </p:cNvSpPr>
+          <p:nvPr>
+            <p:ph idx="1"/>
+          </p:nvPr>
+        </p:nvSpPr>
+        <p:spPr/>
+        <p:txBody>
+          <a:bodyPr/>
+          <a:lstStyle/>
+          <a:p>
+            <a:r>
+              <a:rPr lang="en-US" dirty="0"/>
+              <a:t>Store Application settings</a:t>
+            </a:r>
+            <a:br>
+              <a:rPr lang="en-US" dirty="0"/>
+            </a:br>
+            <a:endParaRPr lang="en-US" dirty="0"/>
+          </a:p>
+          <a:p>
+            <a:r>
+              <a:rPr lang="en-US" dirty="0"/>
+              <a:t>AndroidManifest.xml contains your heading information that identifies your application and what libraries it needs to the Android OS.</a:t>
+            </a:r>
+            <a:br>
+              <a:rPr lang="en-US" dirty="0"/>
+            </a:br>
+            <a:endParaRPr lang="en-US" dirty="0"/>
+          </a:p>
+          <a:p>
+            <a:r>
+              <a:rPr lang="en-US" dirty="0"/>
+              <a:t>To determine the layout and appearance of your User Interfaces (Activities) </a:t>
+            </a:r>
+            <a:br>
+              <a:rPr lang="en-US" dirty="0"/>
+            </a:br>
+            <a:endParaRPr lang="en-US" dirty="0"/>
+          </a:p>
+          <a:p>
+            <a:r>
+              <a:rPr lang="en-US" dirty="0"/>
+              <a:t>Storage for any static resources, i.e. Help messages, notification text, etc..</a:t>
+            </a:r>
+          </a:p>
+        </p:txBody>
+      </p:sp>
+    </p:spTree>
+    <p:extLst>
+      <p:ext uri="{BB962C8B-B14F-4D97-AF65-F5344CB8AC3E}">
+        <p14:creationId xmlns:p14="http://schemas.microsoft.com/office/powerpoint/2010/main" val="2952818284"/>
+      </p:ext>
+    </p:extLst>
+  </p:cSld>
+  <p:clrMapOvr>
+    <a:masterClrMapping/>
+  </p:clrMapOvr>
+</p:sld>
+</file>
+
 <file path=ppt/theme/theme1.xml><?xml version="1.0" encoding="utf-8"?>
 <a:theme xmlns:a="http://schemas.openxmlformats.org/drawingml/2006/main" name="Facet">
   <a:themeElements>

--- a/XML for Android.pptx
+++ b/XML for Android.pptx
@@ -6,11 +6,16 @@
   </p:sldMasterIdLst>
   <p:sldIdLst>
     <p:sldId id="256" r:id="rId2"/>
-    <p:sldId id="257" r:id="rId3"/>
-    <p:sldId id="259" r:id="rId4"/>
-    <p:sldId id="260" r:id="rId5"/>
-    <p:sldId id="261" r:id="rId6"/>
-    <p:sldId id="258" r:id="rId7"/>
+    <p:sldId id="262" r:id="rId3"/>
+    <p:sldId id="257" r:id="rId4"/>
+    <p:sldId id="265" r:id="rId5"/>
+    <p:sldId id="259" r:id="rId6"/>
+    <p:sldId id="260" r:id="rId7"/>
+    <p:sldId id="266" r:id="rId8"/>
+    <p:sldId id="267" r:id="rId9"/>
+    <p:sldId id="258" r:id="rId10"/>
+    <p:sldId id="263" r:id="rId11"/>
+    <p:sldId id="264" r:id="rId12"/>
   </p:sldIdLst>
   <p:sldSz cx="12192000" cy="6858000"/>
   <p:notesSz cx="6858000" cy="9144000"/>
@@ -109,6 +114,11 @@
       </a:defRPr>
     </a:lvl9pPr>
   </p:defaultTextStyle>
+  <p:extLst>
+    <p:ext uri="{EFAFB233-063F-42B5-8137-9DF3F51BA10A}">
+      <p15:sldGuideLst xmlns:p15="http://schemas.microsoft.com/office/powerpoint/2012/main"/>
+    </p:ext>
+  </p:extLst>
 </p:presentation>
 </file>
 
@@ -837,7 +847,7 @@
             <a:fld id="{B61BEF0D-F0BB-DE4B-95CE-6DB70DBA9567}" type="datetimeFigureOut">
               <a:rPr lang="en-US" dirty="0"/>
               <a:pPr/>
-              <a:t>8/16/2016</a:t>
+              <a:t>8/17/2016</a:t>
             </a:fld>
             <a:endParaRPr lang="en-US" dirty="0"/>
           </a:p>
@@ -1085,7 +1095,7 @@
             <a:fld id="{B61BEF0D-F0BB-DE4B-95CE-6DB70DBA9567}" type="datetimeFigureOut">
               <a:rPr lang="en-US" dirty="0"/>
               <a:pPr/>
-              <a:t>8/16/2016</a:t>
+              <a:t>8/17/2016</a:t>
             </a:fld>
             <a:endParaRPr lang="en-US" dirty="0"/>
           </a:p>
@@ -1396,7 +1406,7 @@
             <a:fld id="{B61BEF0D-F0BB-DE4B-95CE-6DB70DBA9567}" type="datetimeFigureOut">
               <a:rPr lang="en-US" dirty="0"/>
               <a:pPr/>
-              <a:t>8/16/2016</a:t>
+              <a:t>8/17/2016</a:t>
             </a:fld>
             <a:endParaRPr lang="en-US" dirty="0"/>
           </a:p>
@@ -1720,7 +1730,7 @@
             <a:fld id="{B61BEF0D-F0BB-DE4B-95CE-6DB70DBA9567}" type="datetimeFigureOut">
               <a:rPr lang="en-US" dirty="0"/>
               <a:pPr/>
-              <a:t>8/16/2016</a:t>
+              <a:t>8/17/2016</a:t>
             </a:fld>
             <a:endParaRPr lang="en-US" dirty="0"/>
           </a:p>
@@ -2031,7 +2041,7 @@
             <a:fld id="{B61BEF0D-F0BB-DE4B-95CE-6DB70DBA9567}" type="datetimeFigureOut">
               <a:rPr lang="en-US" dirty="0"/>
               <a:pPr/>
-              <a:t>8/16/2016</a:t>
+              <a:t>8/17/2016</a:t>
             </a:fld>
             <a:endParaRPr lang="en-US" dirty="0"/>
           </a:p>
@@ -2415,7 +2425,7 @@
             <a:fld id="{B61BEF0D-F0BB-DE4B-95CE-6DB70DBA9567}" type="datetimeFigureOut">
               <a:rPr lang="en-US" dirty="0"/>
               <a:pPr/>
-              <a:t>8/16/2016</a:t>
+              <a:t>8/17/2016</a:t>
             </a:fld>
             <a:endParaRPr lang="en-US" dirty="0"/>
           </a:p>
@@ -2581,7 +2591,7 @@
           <a:p>
             <a:fld id="{55C6B4A9-1611-4792-9094-5F34BCA07E0B}" type="datetimeFigureOut">
               <a:rPr lang="en-US" dirty="0"/>
-              <a:t>8/16/2016</a:t>
+              <a:t>8/17/2016</a:t>
             </a:fld>
             <a:endParaRPr lang="en-US" dirty="0"/>
           </a:p>
@@ -2757,7 +2767,7 @@
             <a:fld id="{B61BEF0D-F0BB-DE4B-95CE-6DB70DBA9567}" type="datetimeFigureOut">
               <a:rPr lang="en-US" dirty="0"/>
               <a:pPr/>
-              <a:t>8/16/2016</a:t>
+              <a:t>8/17/2016</a:t>
             </a:fld>
             <a:endParaRPr lang="en-US" dirty="0"/>
           </a:p>
@@ -2930,7 +2940,7 @@
             <a:fld id="{B61BEF0D-F0BB-DE4B-95CE-6DB70DBA9567}" type="datetimeFigureOut">
               <a:rPr lang="en-US" dirty="0"/>
               <a:pPr/>
-              <a:t>8/16/2016</a:t>
+              <a:t>8/17/2016</a:t>
             </a:fld>
             <a:endParaRPr lang="en-US" dirty="0"/>
           </a:p>
@@ -3174,7 +3184,7 @@
             <a:fld id="{B61BEF0D-F0BB-DE4B-95CE-6DB70DBA9567}" type="datetimeFigureOut">
               <a:rPr lang="en-US" dirty="0"/>
               <a:pPr/>
-              <a:t>8/16/2016</a:t>
+              <a:t>8/17/2016</a:t>
             </a:fld>
             <a:endParaRPr lang="en-US" dirty="0"/>
           </a:p>
@@ -3402,7 +3412,7 @@
           <a:p>
             <a:fld id="{EB712588-04B1-427B-82EE-E8DB90309F08}" type="datetimeFigureOut">
               <a:rPr lang="en-US" dirty="0"/>
-              <a:t>8/16/2016</a:t>
+              <a:t>8/17/2016</a:t>
             </a:fld>
             <a:endParaRPr lang="en-US" dirty="0"/>
           </a:p>
@@ -3772,7 +3782,7 @@
             <a:fld id="{B61BEF0D-F0BB-DE4B-95CE-6DB70DBA9567}" type="datetimeFigureOut">
               <a:rPr lang="en-US" dirty="0"/>
               <a:pPr/>
-              <a:t>8/16/2016</a:t>
+              <a:t>8/17/2016</a:t>
             </a:fld>
             <a:endParaRPr lang="en-US" dirty="0"/>
           </a:p>
@@ -3892,7 +3902,7 @@
             <a:fld id="{B61BEF0D-F0BB-DE4B-95CE-6DB70DBA9567}" type="datetimeFigureOut">
               <a:rPr lang="en-US" dirty="0"/>
               <a:pPr/>
-              <a:t>8/16/2016</a:t>
+              <a:t>8/17/2016</a:t>
             </a:fld>
             <a:endParaRPr lang="en-US" dirty="0"/>
           </a:p>
@@ -3984,7 +3994,7 @@
             <a:fld id="{B61BEF0D-F0BB-DE4B-95CE-6DB70DBA9567}" type="datetimeFigureOut">
               <a:rPr lang="en-US" dirty="0"/>
               <a:pPr/>
-              <a:t>8/16/2016</a:t>
+              <a:t>8/17/2016</a:t>
             </a:fld>
             <a:endParaRPr lang="en-US" dirty="0"/>
           </a:p>
@@ -4235,7 +4245,7 @@
           <a:p>
             <a:fld id="{42A54C80-263E-416B-A8E0-580EDEADCBDC}" type="datetimeFigureOut">
               <a:rPr lang="en-US" dirty="0"/>
-              <a:t>8/16/2016</a:t>
+              <a:t>8/17/2016</a:t>
             </a:fld>
             <a:endParaRPr lang="en-US" dirty="0"/>
           </a:p>
@@ -4494,7 +4504,7 @@
             <a:fld id="{B61BEF0D-F0BB-DE4B-95CE-6DB70DBA9567}" type="datetimeFigureOut">
               <a:rPr lang="en-US" dirty="0"/>
               <a:pPr/>
-              <a:t>8/16/2016</a:t>
+              <a:t>8/17/2016</a:t>
             </a:fld>
             <a:endParaRPr lang="en-US" dirty="0"/>
           </a:p>
@@ -5236,7 +5246,7 @@
             <a:fld id="{B61BEF0D-F0BB-DE4B-95CE-6DB70DBA9567}" type="datetimeFigureOut">
               <a:rPr lang="en-US" dirty="0"/>
               <a:pPr/>
-              <a:t>8/16/2016</a:t>
+              <a:t>8/17/2016</a:t>
             </a:fld>
             <a:endParaRPr lang="en-US" dirty="0"/>
           </a:p>
@@ -5813,6 +5823,258 @@
 </p:sld>
 </file>
 
+<file path=ppt/slides/slide10.xml><?xml version="1.0" encoding="utf-8"?>
+<p:sld xmlns:a="http://schemas.openxmlformats.org/drawingml/2006/main" xmlns:r="http://schemas.openxmlformats.org/officeDocument/2006/relationships" xmlns:p="http://schemas.openxmlformats.org/presentationml/2006/main">
+  <p:cSld>
+    <p:spTree>
+      <p:nvGrpSpPr>
+        <p:cNvPr id="1" name=""/>
+        <p:cNvGrpSpPr/>
+        <p:nvPr/>
+      </p:nvGrpSpPr>
+      <p:grpSpPr>
+        <a:xfrm>
+          <a:off x="0" y="0"/>
+          <a:ext cx="0" cy="0"/>
+          <a:chOff x="0" y="0"/>
+          <a:chExt cx="0" cy="0"/>
+        </a:xfrm>
+      </p:grpSpPr>
+      <p:sp>
+        <p:nvSpPr>
+          <p:cNvPr id="2" name="Title 1"/>
+          <p:cNvSpPr>
+            <a:spLocks noGrp="1"/>
+          </p:cNvSpPr>
+          <p:nvPr>
+            <p:ph type="title"/>
+          </p:nvPr>
+        </p:nvSpPr>
+        <p:spPr>
+          <a:xfrm>
+            <a:off x="677334" y="609600"/>
+            <a:ext cx="8596668" cy="782918"/>
+          </a:xfrm>
+        </p:spPr>
+        <p:txBody>
+          <a:bodyPr/>
+          <a:lstStyle/>
+          <a:p>
+            <a:pPr algn="ctr"/>
+            <a:r>
+              <a:rPr lang="en-US" dirty="0" smtClean="0"/>
+              <a:t>How is XML used by Android</a:t>
+            </a:r>
+            <a:endParaRPr lang="en-US" dirty="0"/>
+          </a:p>
+        </p:txBody>
+      </p:sp>
+      <p:sp>
+        <p:nvSpPr>
+          <p:cNvPr id="3" name="Content Placeholder 2"/>
+          <p:cNvSpPr>
+            <a:spLocks noGrp="1"/>
+          </p:cNvSpPr>
+          <p:nvPr>
+            <p:ph idx="1"/>
+          </p:nvPr>
+        </p:nvSpPr>
+        <p:spPr>
+          <a:xfrm>
+            <a:off x="677334" y="1458259"/>
+            <a:ext cx="8596668" cy="4583103"/>
+          </a:xfrm>
+        </p:spPr>
+        <p:txBody>
+          <a:bodyPr/>
+          <a:lstStyle/>
+          <a:p>
+            <a:endParaRPr lang="en-US" dirty="0" smtClean="0"/>
+          </a:p>
+          <a:p>
+            <a:endParaRPr lang="en-US" dirty="0"/>
+          </a:p>
+          <a:p>
+            <a:endParaRPr lang="en-US" dirty="0" smtClean="0"/>
+          </a:p>
+          <a:p>
+            <a:pPr marL="0" indent="0">
+              <a:buNone/>
+            </a:pPr>
+            <a:endParaRPr lang="en-US" dirty="0" smtClean="0"/>
+          </a:p>
+          <a:p>
+            <a:pPr marL="0" indent="0" algn="ctr">
+              <a:buNone/>
+            </a:pPr>
+            <a:r>
+              <a:rPr lang="en-US" sz="5400" dirty="0" smtClean="0"/>
+              <a:t>Describing Views!</a:t>
+            </a:r>
+            <a:endParaRPr lang="en-US" sz="5400" dirty="0"/>
+          </a:p>
+        </p:txBody>
+      </p:sp>
+    </p:spTree>
+    <p:extLst>
+      <p:ext uri="{BB962C8B-B14F-4D97-AF65-F5344CB8AC3E}">
+        <p14:creationId xmlns:p14="http://schemas.microsoft.com/office/powerpoint/2010/main" val="2428032157"/>
+      </p:ext>
+    </p:extLst>
+  </p:cSld>
+  <p:clrMapOvr>
+    <a:masterClrMapping/>
+  </p:clrMapOvr>
+</p:sld>
+</file>
+
+<file path=ppt/slides/slide11.xml><?xml version="1.0" encoding="utf-8"?>
+<p:sld xmlns:a="http://schemas.openxmlformats.org/drawingml/2006/main" xmlns:r="http://schemas.openxmlformats.org/officeDocument/2006/relationships" xmlns:p="http://schemas.openxmlformats.org/presentationml/2006/main">
+  <p:cSld>
+    <p:spTree>
+      <p:nvGrpSpPr>
+        <p:cNvPr id="1" name=""/>
+        <p:cNvGrpSpPr/>
+        <p:nvPr/>
+      </p:nvGrpSpPr>
+      <p:grpSpPr>
+        <a:xfrm>
+          <a:off x="0" y="0"/>
+          <a:ext cx="0" cy="0"/>
+          <a:chOff x="0" y="0"/>
+          <a:chExt cx="0" cy="0"/>
+        </a:xfrm>
+      </p:grpSpPr>
+      <p:sp>
+        <p:nvSpPr>
+          <p:cNvPr id="2" name="Title 1"/>
+          <p:cNvSpPr>
+            <a:spLocks noGrp="1"/>
+          </p:cNvSpPr>
+          <p:nvPr>
+            <p:ph type="title"/>
+          </p:nvPr>
+        </p:nvSpPr>
+        <p:spPr>
+          <a:xfrm>
+            <a:off x="677334" y="609600"/>
+            <a:ext cx="8596668" cy="776941"/>
+          </a:xfrm>
+        </p:spPr>
+        <p:txBody>
+          <a:bodyPr/>
+          <a:lstStyle/>
+          <a:p>
+            <a:pPr algn="ctr"/>
+            <a:r>
+              <a:rPr lang="en-US" dirty="0" smtClean="0"/>
+              <a:t>Tools for XML</a:t>
+            </a:r>
+            <a:endParaRPr lang="en-US" dirty="0"/>
+          </a:p>
+        </p:txBody>
+      </p:sp>
+      <p:sp>
+        <p:nvSpPr>
+          <p:cNvPr id="3" name="Content Placeholder 2"/>
+          <p:cNvSpPr>
+            <a:spLocks noGrp="1"/>
+          </p:cNvSpPr>
+          <p:nvPr>
+            <p:ph idx="1"/>
+          </p:nvPr>
+        </p:nvSpPr>
+        <p:spPr>
+          <a:xfrm>
+            <a:off x="677334" y="1476189"/>
+            <a:ext cx="8596668" cy="4565174"/>
+          </a:xfrm>
+        </p:spPr>
+        <p:txBody>
+          <a:bodyPr/>
+          <a:lstStyle/>
+          <a:p>
+            <a:r>
+              <a:rPr lang="en-US" dirty="0" smtClean="0"/>
+              <a:t>There are several classes within the </a:t>
+            </a:r>
+            <a:r>
+              <a:rPr lang="en-US" dirty="0" err="1" smtClean="0"/>
+              <a:t>Xamarin</a:t>
+            </a:r>
+            <a:r>
+              <a:rPr lang="en-US" dirty="0" smtClean="0"/>
+              <a:t> library for working with XML files</a:t>
+            </a:r>
+            <a:br>
+              <a:rPr lang="en-US" dirty="0" smtClean="0"/>
+            </a:br>
+            <a:endParaRPr lang="en-US" dirty="0" smtClean="0"/>
+          </a:p>
+          <a:p>
+            <a:r>
+              <a:rPr lang="en-US" dirty="0" smtClean="0"/>
+              <a:t>One potential tool is the </a:t>
+            </a:r>
+            <a:r>
+              <a:rPr lang="en-US" dirty="0" err="1" smtClean="0"/>
+              <a:t>XmlDataDocument</a:t>
+            </a:r>
+            <a:r>
+              <a:rPr lang="en-US" dirty="0" smtClean="0"/>
+              <a:t> class in the </a:t>
+            </a:r>
+            <a:r>
+              <a:rPr lang="en-US" dirty="0" err="1" smtClean="0"/>
+              <a:t>System.Xml</a:t>
+            </a:r>
+            <a:r>
+              <a:rPr lang="en-US" dirty="0" smtClean="0"/>
+              <a:t> library</a:t>
+            </a:r>
+          </a:p>
+          <a:p>
+            <a:pPr lvl="1"/>
+            <a:r>
+              <a:rPr lang="en-US" dirty="0" smtClean="0"/>
+              <a:t>This loads the entire XML Document into a relational data structure</a:t>
+            </a:r>
+            <a:endParaRPr lang="en-US" dirty="0"/>
+          </a:p>
+          <a:p>
+            <a:endParaRPr lang="en-US" dirty="0" smtClean="0"/>
+          </a:p>
+          <a:p>
+            <a:r>
+              <a:rPr lang="en-US" dirty="0" smtClean="0"/>
+              <a:t>Every major language has its own libraries or tools for reading and editing XML documents. </a:t>
+            </a:r>
+          </a:p>
+          <a:p>
+            <a:pPr lvl="1"/>
+            <a:endParaRPr lang="en-US" dirty="0"/>
+          </a:p>
+          <a:p>
+            <a:pPr marL="457200" lvl="1" indent="0">
+              <a:buNone/>
+            </a:pPr>
+            <a:endParaRPr lang="en-US" dirty="0" smtClean="0"/>
+          </a:p>
+        </p:txBody>
+      </p:sp>
+    </p:spTree>
+    <p:extLst>
+      <p:ext uri="{BB962C8B-B14F-4D97-AF65-F5344CB8AC3E}">
+        <p14:creationId xmlns:p14="http://schemas.microsoft.com/office/powerpoint/2010/main" val="3105895727"/>
+      </p:ext>
+    </p:extLst>
+  </p:cSld>
+  <p:clrMapOvr>
+    <a:masterClrMapping/>
+  </p:clrMapOvr>
+</p:sld>
+</file>
+
 <file path=ppt/slides/slide2.xml><?xml version="1.0" encoding="utf-8"?>
 <p:sld xmlns:a="http://schemas.openxmlformats.org/drawingml/2006/main" xmlns:r="http://schemas.openxmlformats.org/officeDocument/2006/relationships" xmlns:p="http://schemas.openxmlformats.org/presentationml/2006/main">
   <p:cSld>
@@ -5840,69 +6102,87 @@
             <p:ph type="title"/>
           </p:nvPr>
         </p:nvSpPr>
-        <p:spPr/>
+        <p:spPr>
+          <a:xfrm>
+            <a:off x="677334" y="609600"/>
+            <a:ext cx="8596668" cy="860612"/>
+          </a:xfrm>
+        </p:spPr>
         <p:txBody>
           <a:bodyPr/>
           <a:lstStyle/>
           <a:p>
             <a:pPr algn="ctr"/>
             <a:r>
-              <a:rPr lang="en-US" dirty="0"/>
+              <a:rPr lang="en-US" dirty="0" smtClean="0"/>
+              <a:t>Topics</a:t>
+            </a:r>
+            <a:endParaRPr lang="en-US" dirty="0"/>
+          </a:p>
+        </p:txBody>
+      </p:sp>
+      <p:sp>
+        <p:nvSpPr>
+          <p:cNvPr id="3" name="Content Placeholder 2"/>
+          <p:cNvSpPr>
+            <a:spLocks noGrp="1"/>
+          </p:cNvSpPr>
+          <p:nvPr>
+            <p:ph idx="1"/>
+          </p:nvPr>
+        </p:nvSpPr>
+        <p:spPr>
+          <a:xfrm>
+            <a:off x="677334" y="1661459"/>
+            <a:ext cx="8596668" cy="4379903"/>
+          </a:xfrm>
+        </p:spPr>
+        <p:txBody>
+          <a:bodyPr/>
+          <a:lstStyle/>
+          <a:p>
+            <a:r>
+              <a:rPr lang="en-US" dirty="0" smtClean="0"/>
               <a:t>What is XML?</a:t>
             </a:r>
-          </a:p>
-        </p:txBody>
-      </p:sp>
-      <p:sp>
-        <p:nvSpPr>
-          <p:cNvPr id="3" name="Content Placeholder 2"/>
-          <p:cNvSpPr>
-            <a:spLocks noGrp="1"/>
-          </p:cNvSpPr>
-          <p:nvPr>
-            <p:ph idx="1"/>
-          </p:nvPr>
-        </p:nvSpPr>
-        <p:spPr/>
-        <p:txBody>
-          <a:bodyPr/>
-          <a:lstStyle/>
-          <a:p>
-            <a:r>
-              <a:rPr lang="en-US" dirty="0" err="1"/>
-              <a:t>eXtensable</a:t>
-            </a:r>
-            <a:r>
-              <a:rPr lang="en-US" dirty="0"/>
-              <a:t> Markup Language</a:t>
-            </a:r>
             <a:br>
-              <a:rPr lang="en-US" dirty="0"/>
+              <a:rPr lang="en-US" dirty="0" smtClean="0"/>
             </a:br>
-            <a:endParaRPr lang="en-US" dirty="0"/>
-          </a:p>
-          <a:p>
-            <a:r>
-              <a:rPr lang="en-US" dirty="0"/>
-              <a:t>Similar to HTML in that it performs no logic</a:t>
+            <a:endParaRPr lang="en-US" dirty="0" smtClean="0"/>
+          </a:p>
+          <a:p>
+            <a:r>
+              <a:rPr lang="en-US" dirty="0" smtClean="0"/>
+              <a:t>How XML works</a:t>
             </a:r>
             <a:br>
-              <a:rPr lang="en-US" dirty="0"/>
+              <a:rPr lang="en-US" dirty="0" smtClean="0"/>
             </a:br>
-            <a:endParaRPr lang="en-US" dirty="0"/>
-          </a:p>
-          <a:p>
-            <a:r>
-              <a:rPr lang="en-US" dirty="0"/>
-              <a:t>Used to store static resources in an organized manner that is independent of any application that may access the information</a:t>
-            </a:r>
+            <a:endParaRPr lang="en-US" dirty="0" smtClean="0"/>
+          </a:p>
+          <a:p>
+            <a:r>
+              <a:rPr lang="en-US" dirty="0" smtClean="0"/>
+              <a:t>The role that XML plays in Android Development</a:t>
+            </a:r>
+            <a:br>
+              <a:rPr lang="en-US" dirty="0" smtClean="0"/>
+            </a:br>
+            <a:endParaRPr lang="en-US" dirty="0" smtClean="0"/>
+          </a:p>
+          <a:p>
+            <a:r>
+              <a:rPr lang="en-US" dirty="0" smtClean="0"/>
+              <a:t>Tools you should be aware of.</a:t>
+            </a:r>
+            <a:endParaRPr lang="en-US" dirty="0"/>
           </a:p>
         </p:txBody>
       </p:sp>
     </p:spTree>
     <p:extLst>
       <p:ext uri="{BB962C8B-B14F-4D97-AF65-F5344CB8AC3E}">
-        <p14:creationId xmlns:p14="http://schemas.microsoft.com/office/powerpoint/2010/main" val="763977461"/>
+        <p14:creationId xmlns:p14="http://schemas.microsoft.com/office/powerpoint/2010/main" val="478681603"/>
       </p:ext>
     </p:extLst>
   </p:cSld>
@@ -5947,7 +6227,7 @@
             <a:pPr algn="ctr"/>
             <a:r>
               <a:rPr lang="en-US" dirty="0"/>
-              <a:t>How does XML work?</a:t>
+              <a:t>What is XML?</a:t>
             </a:r>
           </a:p>
         </p:txBody>
@@ -5968,8 +6248,16 @@
           <a:lstStyle/>
           <a:p>
             <a:r>
+              <a:rPr lang="en-US" dirty="0" err="1" smtClean="0"/>
+              <a:t>eXtensible</a:t>
+            </a:r>
+            <a:r>
+              <a:rPr lang="en-US" dirty="0" smtClean="0"/>
+              <a:t> </a:t>
+            </a:r>
+            <a:r>
               <a:rPr lang="en-US" dirty="0"/>
-              <a:t>XML only has a handful of requirements to its layout. This is both a strength and a weakness</a:t>
+              <a:t>Markup Language</a:t>
             </a:r>
             <a:br>
               <a:rPr lang="en-US" dirty="0"/>
@@ -5979,7 +6267,7 @@
           <a:p>
             <a:r>
               <a:rPr lang="en-US" dirty="0"/>
-              <a:t>All XML files must begin with &lt;?xml version=“1.0” encoding=“utf-8”?&gt;</a:t>
+              <a:t>Similar to HTML in that it performs no logic</a:t>
             </a:r>
             <a:br>
               <a:rPr lang="en-US" dirty="0"/>
@@ -5989,7 +6277,231 @@
           <a:p>
             <a:r>
               <a:rPr lang="en-US" dirty="0"/>
-              <a:t>The XML document is a collection of Nodes that either contain further children nodes or some form of text</a:t>
+              <a:t>Used to store static resources in an organized manner that is independent of any application that may access the information</a:t>
+            </a:r>
+          </a:p>
+        </p:txBody>
+      </p:sp>
+    </p:spTree>
+    <p:extLst>
+      <p:ext uri="{BB962C8B-B14F-4D97-AF65-F5344CB8AC3E}">
+        <p14:creationId xmlns:p14="http://schemas.microsoft.com/office/powerpoint/2010/main" val="763977461"/>
+      </p:ext>
+    </p:extLst>
+  </p:cSld>
+  <p:clrMapOvr>
+    <a:masterClrMapping/>
+  </p:clrMapOvr>
+</p:sld>
+</file>
+
+<file path=ppt/slides/slide4.xml><?xml version="1.0" encoding="utf-8"?>
+<p:sld xmlns:a="http://schemas.openxmlformats.org/drawingml/2006/main" xmlns:r="http://schemas.openxmlformats.org/officeDocument/2006/relationships" xmlns:p="http://schemas.openxmlformats.org/presentationml/2006/main">
+  <p:cSld>
+    <p:spTree>
+      <p:nvGrpSpPr>
+        <p:cNvPr id="1" name=""/>
+        <p:cNvGrpSpPr/>
+        <p:nvPr/>
+      </p:nvGrpSpPr>
+      <p:grpSpPr>
+        <a:xfrm>
+          <a:off x="0" y="0"/>
+          <a:ext cx="0" cy="0"/>
+          <a:chOff x="0" y="0"/>
+          <a:chExt cx="0" cy="0"/>
+        </a:xfrm>
+      </p:grpSpPr>
+      <p:sp>
+        <p:nvSpPr>
+          <p:cNvPr id="2" name="Title 1"/>
+          <p:cNvSpPr>
+            <a:spLocks noGrp="1"/>
+          </p:cNvSpPr>
+          <p:nvPr>
+            <p:ph type="title"/>
+          </p:nvPr>
+        </p:nvSpPr>
+        <p:spPr>
+          <a:xfrm>
+            <a:off x="677334" y="609600"/>
+            <a:ext cx="8596668" cy="741082"/>
+          </a:xfrm>
+        </p:spPr>
+        <p:txBody>
+          <a:bodyPr/>
+          <a:lstStyle/>
+          <a:p>
+            <a:pPr algn="ctr"/>
+            <a:r>
+              <a:rPr lang="en-US" dirty="0" smtClean="0"/>
+              <a:t>Advantages of XML</a:t>
+            </a:r>
+            <a:endParaRPr lang="en-US" dirty="0"/>
+          </a:p>
+        </p:txBody>
+      </p:sp>
+      <p:sp>
+        <p:nvSpPr>
+          <p:cNvPr id="3" name="Content Placeholder 2"/>
+          <p:cNvSpPr>
+            <a:spLocks noGrp="1"/>
+          </p:cNvSpPr>
+          <p:nvPr>
+            <p:ph idx="1"/>
+          </p:nvPr>
+        </p:nvSpPr>
+        <p:spPr>
+          <a:xfrm>
+            <a:off x="677334" y="1518025"/>
+            <a:ext cx="8596668" cy="4523338"/>
+          </a:xfrm>
+        </p:spPr>
+        <p:txBody>
+          <a:bodyPr/>
+          <a:lstStyle/>
+          <a:p>
+            <a:pPr lvl="2"/>
+            <a:r>
+              <a:rPr lang="en-US" sz="2400" dirty="0" smtClean="0"/>
+              <a:t> Platform Independent</a:t>
+            </a:r>
+            <a:br>
+              <a:rPr lang="en-US" sz="2400" dirty="0" smtClean="0"/>
+            </a:br>
+            <a:endParaRPr lang="en-US" sz="2400" dirty="0" smtClean="0"/>
+          </a:p>
+          <a:p>
+            <a:pPr lvl="2"/>
+            <a:r>
+              <a:rPr lang="en-US" sz="2400" dirty="0"/>
+              <a:t> </a:t>
+            </a:r>
+            <a:r>
+              <a:rPr lang="en-US" sz="2400" dirty="0" smtClean="0"/>
+              <a:t>Transports data </a:t>
+            </a:r>
+            <a:r>
+              <a:rPr lang="en-US" sz="2400" b="1" dirty="0" smtClean="0"/>
+              <a:t>and</a:t>
+            </a:r>
+            <a:r>
+              <a:rPr lang="en-US" sz="2400" dirty="0" smtClean="0"/>
+              <a:t> their relationships</a:t>
+            </a:r>
+            <a:br>
+              <a:rPr lang="en-US" sz="2400" dirty="0" smtClean="0"/>
+            </a:br>
+            <a:endParaRPr lang="en-US" sz="2400" dirty="0" smtClean="0"/>
+          </a:p>
+          <a:p>
+            <a:pPr lvl="2"/>
+            <a:r>
+              <a:rPr lang="en-US" sz="2400" dirty="0"/>
+              <a:t> </a:t>
+            </a:r>
+          </a:p>
+        </p:txBody>
+      </p:sp>
+    </p:spTree>
+    <p:extLst>
+      <p:ext uri="{BB962C8B-B14F-4D97-AF65-F5344CB8AC3E}">
+        <p14:creationId xmlns:p14="http://schemas.microsoft.com/office/powerpoint/2010/main" val="1259192006"/>
+      </p:ext>
+    </p:extLst>
+  </p:cSld>
+  <p:clrMapOvr>
+    <a:masterClrMapping/>
+  </p:clrMapOvr>
+</p:sld>
+</file>
+
+<file path=ppt/slides/slide5.xml><?xml version="1.0" encoding="utf-8"?>
+<p:sld xmlns:a="http://schemas.openxmlformats.org/drawingml/2006/main" xmlns:r="http://schemas.openxmlformats.org/officeDocument/2006/relationships" xmlns:p="http://schemas.openxmlformats.org/presentationml/2006/main">
+  <p:cSld>
+    <p:spTree>
+      <p:nvGrpSpPr>
+        <p:cNvPr id="1" name=""/>
+        <p:cNvGrpSpPr/>
+        <p:nvPr/>
+      </p:nvGrpSpPr>
+      <p:grpSpPr>
+        <a:xfrm>
+          <a:off x="0" y="0"/>
+          <a:ext cx="0" cy="0"/>
+          <a:chOff x="0" y="0"/>
+          <a:chExt cx="0" cy="0"/>
+        </a:xfrm>
+      </p:grpSpPr>
+      <p:sp>
+        <p:nvSpPr>
+          <p:cNvPr id="2" name="Title 1"/>
+          <p:cNvSpPr>
+            <a:spLocks noGrp="1"/>
+          </p:cNvSpPr>
+          <p:nvPr>
+            <p:ph type="title"/>
+          </p:nvPr>
+        </p:nvSpPr>
+        <p:spPr/>
+        <p:txBody>
+          <a:bodyPr/>
+          <a:lstStyle/>
+          <a:p>
+            <a:pPr algn="ctr"/>
+            <a:r>
+              <a:rPr lang="en-US" dirty="0"/>
+              <a:t>How does XML work?</a:t>
+            </a:r>
+          </a:p>
+        </p:txBody>
+      </p:sp>
+      <p:sp>
+        <p:nvSpPr>
+          <p:cNvPr id="3" name="Content Placeholder 2"/>
+          <p:cNvSpPr>
+            <a:spLocks noGrp="1"/>
+          </p:cNvSpPr>
+          <p:nvPr>
+            <p:ph idx="1"/>
+          </p:nvPr>
+        </p:nvSpPr>
+        <p:spPr/>
+        <p:txBody>
+          <a:bodyPr/>
+          <a:lstStyle/>
+          <a:p>
+            <a:r>
+              <a:rPr lang="en-US" dirty="0"/>
+              <a:t>XML only has a handful of requirements to its layout. This is both a strength and a weakness</a:t>
+            </a:r>
+            <a:br>
+              <a:rPr lang="en-US" dirty="0"/>
+            </a:br>
+            <a:endParaRPr lang="en-US" dirty="0"/>
+          </a:p>
+          <a:p>
+            <a:r>
+              <a:rPr lang="en-US" dirty="0"/>
+              <a:t>All XML files must begin with &lt;?xml version=“1.0” encoding=“utf-8”?&gt;</a:t>
+            </a:r>
+            <a:br>
+              <a:rPr lang="en-US" dirty="0"/>
+            </a:br>
+            <a:endParaRPr lang="en-US" dirty="0"/>
+          </a:p>
+          <a:p>
+            <a:r>
+              <a:rPr lang="en-US" dirty="0"/>
+              <a:t>The XML document is a collection of Nodes that either contain further </a:t>
+            </a:r>
+            <a:r>
+              <a:rPr lang="en-US" dirty="0" smtClean="0"/>
+              <a:t>child </a:t>
+            </a:r>
+            <a:r>
+              <a:rPr lang="en-US" dirty="0"/>
+              <a:t>nodes or some form of text</a:t>
             </a:r>
             <a:br>
               <a:rPr lang="en-US" dirty="0"/>
@@ -6017,7 +6529,7 @@
 </p:sld>
 </file>
 
-<file path=ppt/slides/slide4.xml><?xml version="1.0" encoding="utf-8"?>
+<file path=ppt/slides/slide6.xml><?xml version="1.0" encoding="utf-8"?>
 <p:sld xmlns:a="http://schemas.openxmlformats.org/drawingml/2006/main" xmlns:r="http://schemas.openxmlformats.org/officeDocument/2006/relationships" xmlns:p="http://schemas.openxmlformats.org/presentationml/2006/main">
   <p:cSld>
     <p:spTree>
@@ -6093,7 +6605,7 @@
 </p:sld>
 </file>
 
-<file path=ppt/slides/slide5.xml><?xml version="1.0" encoding="utf-8"?>
+<file path=ppt/slides/slide7.xml><?xml version="1.0" encoding="utf-8"?>
 <p:sld xmlns:a="http://schemas.openxmlformats.org/drawingml/2006/main" xmlns:r="http://schemas.openxmlformats.org/officeDocument/2006/relationships" xmlns:p="http://schemas.openxmlformats.org/presentationml/2006/main">
   <p:cSld>
     <p:spTree>
@@ -6127,49 +6639,50 @@
           <a:p>
             <a:pPr algn="ctr"/>
             <a:r>
-              <a:rPr lang="en-US" dirty="0"/>
-              <a:t>Example Explained</a:t>
-            </a:r>
-          </a:p>
-        </p:txBody>
-      </p:sp>
-      <p:sp>
-        <p:nvSpPr>
-          <p:cNvPr id="3" name="Content Placeholder 2"/>
-          <p:cNvSpPr>
-            <a:spLocks noGrp="1"/>
-          </p:cNvSpPr>
+              <a:rPr lang="en-US" dirty="0" smtClean="0"/>
+              <a:t>Example XML Document</a:t>
+            </a:r>
+            <a:br>
+              <a:rPr lang="en-US" dirty="0" smtClean="0"/>
+            </a:br>
+            <a:r>
+              <a:rPr lang="en-US" dirty="0" smtClean="0"/>
+              <a:t>with Attributes</a:t>
+            </a:r>
+            <a:endParaRPr lang="en-US" dirty="0"/>
+          </a:p>
+        </p:txBody>
+      </p:sp>
+      <p:pic>
+        <p:nvPicPr>
+          <p:cNvPr id="4" name="Content Placeholder 3"/>
+          <p:cNvPicPr>
+            <a:picLocks noGrp="1" noChangeAspect="1"/>
+          </p:cNvPicPr>
           <p:nvPr>
             <p:ph idx="1"/>
           </p:nvPr>
-        </p:nvSpPr>
-        <p:spPr/>
-        <p:txBody>
-          <a:bodyPr/>
-          <a:lstStyle/>
-          <a:p>
-            <a:r>
-              <a:rPr lang="en-US" dirty="0"/>
-              <a:t>//TODO: Explain root Node, and children nodes. </a:t>
-            </a:r>
-          </a:p>
-          <a:p>
-            <a:r>
-              <a:rPr lang="en-US" dirty="0"/>
-              <a:t>//TODO: Point out that the only nodes that have attributes are the ones with </a:t>
-            </a:r>
-            <a:r>
-              <a:rPr lang="en-US"/>
-              <a:t>plain text</a:t>
-            </a:r>
-            <a:endParaRPr lang="en-US"/>
-          </a:p>
-        </p:txBody>
-      </p:sp>
+        </p:nvPicPr>
+        <p:blipFill>
+          <a:blip r:embed="rId2"/>
+          <a:stretch>
+            <a:fillRect/>
+          </a:stretch>
+        </p:blipFill>
+        <p:spPr>
+          <a:xfrm>
+            <a:off x="1702947" y="1930400"/>
+            <a:ext cx="6545441" cy="4135718"/>
+          </a:xfrm>
+          <a:prstGeom prst="rect">
+            <a:avLst/>
+          </a:prstGeom>
+        </p:spPr>
+      </p:pic>
     </p:spTree>
     <p:extLst>
       <p:ext uri="{BB962C8B-B14F-4D97-AF65-F5344CB8AC3E}">
-        <p14:creationId xmlns:p14="http://schemas.microsoft.com/office/powerpoint/2010/main" val="2756886873"/>
+        <p14:creationId xmlns:p14="http://schemas.microsoft.com/office/powerpoint/2010/main" val="2997233651"/>
       </p:ext>
     </p:extLst>
   </p:cSld>
@@ -6179,7 +6692,7 @@
 </p:sld>
 </file>
 
-<file path=ppt/slides/slide6.xml><?xml version="1.0" encoding="utf-8"?>
+<file path=ppt/slides/slide8.xml><?xml version="1.0" encoding="utf-8"?>
 <p:sld xmlns:a="http://schemas.openxmlformats.org/drawingml/2006/main" xmlns:r="http://schemas.openxmlformats.org/officeDocument/2006/relationships" xmlns:p="http://schemas.openxmlformats.org/presentationml/2006/main">
   <p:cSld>
     <p:spTree>
@@ -6206,6 +6719,141 @@
             <p:ph type="title"/>
           </p:nvPr>
         </p:nvSpPr>
+        <p:spPr>
+          <a:xfrm>
+            <a:off x="677334" y="609600"/>
+            <a:ext cx="8596668" cy="759012"/>
+          </a:xfrm>
+        </p:spPr>
+        <p:txBody>
+          <a:bodyPr/>
+          <a:lstStyle/>
+          <a:p>
+            <a:pPr algn="ctr"/>
+            <a:r>
+              <a:rPr lang="en-US" dirty="0" smtClean="0"/>
+              <a:t>A Note About XML Schemas</a:t>
+            </a:r>
+            <a:endParaRPr lang="en-US" dirty="0"/>
+          </a:p>
+        </p:txBody>
+      </p:sp>
+      <p:sp>
+        <p:nvSpPr>
+          <p:cNvPr id="3" name="Content Placeholder 2"/>
+          <p:cNvSpPr>
+            <a:spLocks noGrp="1"/>
+          </p:cNvSpPr>
+          <p:nvPr>
+            <p:ph idx="1"/>
+          </p:nvPr>
+        </p:nvSpPr>
+        <p:spPr>
+          <a:xfrm>
+            <a:off x="677334" y="1434353"/>
+            <a:ext cx="8596668" cy="4607009"/>
+          </a:xfrm>
+        </p:spPr>
+        <p:txBody>
+          <a:bodyPr>
+            <a:normAutofit/>
+          </a:bodyPr>
+          <a:lstStyle/>
+          <a:p>
+            <a:r>
+              <a:rPr lang="en-US" sz="2400" dirty="0" smtClean="0"/>
+              <a:t>XML Schemas (XSD) are a set of rules to describe the elements in an XML document</a:t>
+            </a:r>
+            <a:br>
+              <a:rPr lang="en-US" sz="2400" dirty="0" smtClean="0"/>
+            </a:br>
+            <a:endParaRPr lang="en-US" sz="2400" dirty="0" smtClean="0"/>
+          </a:p>
+          <a:p>
+            <a:r>
+              <a:rPr lang="en-US" sz="2400" dirty="0" smtClean="0"/>
+              <a:t>World Wide Web Consortium (W3C) provides some XSDs and links to include the Schema in your XML Document</a:t>
+            </a:r>
+            <a:br>
+              <a:rPr lang="en-US" sz="2400" dirty="0" smtClean="0"/>
+            </a:br>
+            <a:endParaRPr lang="en-US" sz="2400" dirty="0" smtClean="0"/>
+          </a:p>
+          <a:p>
+            <a:endParaRPr lang="en-US" sz="2400" dirty="0"/>
+          </a:p>
+          <a:p>
+            <a:pPr marL="0" indent="0">
+              <a:buNone/>
+            </a:pPr>
+            <a:endParaRPr lang="en-US" sz="2400" dirty="0"/>
+          </a:p>
+        </p:txBody>
+      </p:sp>
+      <p:pic>
+        <p:nvPicPr>
+          <p:cNvPr id="4" name="Picture 3"/>
+          <p:cNvPicPr>
+            <a:picLocks noChangeAspect="1"/>
+          </p:cNvPicPr>
+          <p:nvPr/>
+        </p:nvPicPr>
+        <p:blipFill>
+          <a:blip r:embed="rId2"/>
+          <a:stretch>
+            <a:fillRect/>
+          </a:stretch>
+        </p:blipFill>
+        <p:spPr>
+          <a:xfrm>
+            <a:off x="342409" y="4093135"/>
+            <a:ext cx="9266518" cy="297004"/>
+          </a:xfrm>
+          <a:prstGeom prst="rect">
+            <a:avLst/>
+          </a:prstGeom>
+        </p:spPr>
+      </p:pic>
+    </p:spTree>
+    <p:extLst>
+      <p:ext uri="{BB962C8B-B14F-4D97-AF65-F5344CB8AC3E}">
+        <p14:creationId xmlns:p14="http://schemas.microsoft.com/office/powerpoint/2010/main" val="4290731837"/>
+      </p:ext>
+    </p:extLst>
+  </p:cSld>
+  <p:clrMapOvr>
+    <a:masterClrMapping/>
+  </p:clrMapOvr>
+</p:sld>
+</file>
+
+<file path=ppt/slides/slide9.xml><?xml version="1.0" encoding="utf-8"?>
+<p:sld xmlns:a="http://schemas.openxmlformats.org/drawingml/2006/main" xmlns:r="http://schemas.openxmlformats.org/officeDocument/2006/relationships" xmlns:p="http://schemas.openxmlformats.org/presentationml/2006/main">
+  <p:cSld>
+    <p:spTree>
+      <p:nvGrpSpPr>
+        <p:cNvPr id="1" name=""/>
+        <p:cNvGrpSpPr/>
+        <p:nvPr/>
+      </p:nvGrpSpPr>
+      <p:grpSpPr>
+        <a:xfrm>
+          <a:off x="0" y="0"/>
+          <a:ext cx="0" cy="0"/>
+          <a:chOff x="0" y="0"/>
+          <a:chExt cx="0" cy="0"/>
+        </a:xfrm>
+      </p:grpSpPr>
+      <p:sp>
+        <p:nvSpPr>
+          <p:cNvPr id="2" name="Title 1"/>
+          <p:cNvSpPr>
+            <a:spLocks noGrp="1"/>
+          </p:cNvSpPr>
+          <p:nvPr>
+            <p:ph type="title"/>
+          </p:nvPr>
+        </p:nvSpPr>
         <p:spPr/>
         <p:txBody>
           <a:bodyPr/>
@@ -6229,7 +6877,12 @@
             <p:ph idx="1"/>
           </p:nvPr>
         </p:nvSpPr>
-        <p:spPr/>
+        <p:spPr>
+          <a:xfrm>
+            <a:off x="677334" y="1476189"/>
+            <a:ext cx="8596668" cy="4565174"/>
+          </a:xfrm>
+        </p:spPr>
         <p:txBody>
           <a:bodyPr/>
           <a:lstStyle/>

--- a/XML for Android.pptx
+++ b/XML for Android.pptx
@@ -9,13 +9,21 @@
     <p:sldId id="262" r:id="rId3"/>
     <p:sldId id="257" r:id="rId4"/>
     <p:sldId id="265" r:id="rId5"/>
-    <p:sldId id="259" r:id="rId6"/>
-    <p:sldId id="260" r:id="rId7"/>
-    <p:sldId id="266" r:id="rId8"/>
-    <p:sldId id="267" r:id="rId9"/>
-    <p:sldId id="258" r:id="rId10"/>
+    <p:sldId id="276" r:id="rId6"/>
+    <p:sldId id="259" r:id="rId7"/>
+    <p:sldId id="260" r:id="rId8"/>
+    <p:sldId id="266" r:id="rId9"/>
+    <p:sldId id="267" r:id="rId10"/>
     <p:sldId id="263" r:id="rId11"/>
-    <p:sldId id="264" r:id="rId12"/>
+    <p:sldId id="258" r:id="rId12"/>
+    <p:sldId id="271" r:id="rId13"/>
+    <p:sldId id="272" r:id="rId14"/>
+    <p:sldId id="268" r:id="rId15"/>
+    <p:sldId id="269" r:id="rId16"/>
+    <p:sldId id="273" r:id="rId17"/>
+    <p:sldId id="264" r:id="rId18"/>
+    <p:sldId id="274" r:id="rId19"/>
+    <p:sldId id="275" r:id="rId20"/>
   </p:sldIdLst>
   <p:sldSz cx="12192000" cy="6858000"/>
   <p:notesSz cx="6858000" cy="9144000"/>
@@ -847,7 +855,7 @@
             <a:fld id="{B61BEF0D-F0BB-DE4B-95CE-6DB70DBA9567}" type="datetimeFigureOut">
               <a:rPr lang="en-US" dirty="0"/>
               <a:pPr/>
-              <a:t>8/17/2016</a:t>
+              <a:t>8/18/2016</a:t>
             </a:fld>
             <a:endParaRPr lang="en-US" dirty="0"/>
           </a:p>
@@ -1095,7 +1103,7 @@
             <a:fld id="{B61BEF0D-F0BB-DE4B-95CE-6DB70DBA9567}" type="datetimeFigureOut">
               <a:rPr lang="en-US" dirty="0"/>
               <a:pPr/>
-              <a:t>8/17/2016</a:t>
+              <a:t>8/18/2016</a:t>
             </a:fld>
             <a:endParaRPr lang="en-US" dirty="0"/>
           </a:p>
@@ -1406,7 +1414,7 @@
             <a:fld id="{B61BEF0D-F0BB-DE4B-95CE-6DB70DBA9567}" type="datetimeFigureOut">
               <a:rPr lang="en-US" dirty="0"/>
               <a:pPr/>
-              <a:t>8/17/2016</a:t>
+              <a:t>8/18/2016</a:t>
             </a:fld>
             <a:endParaRPr lang="en-US" dirty="0"/>
           </a:p>
@@ -1730,7 +1738,7 @@
             <a:fld id="{B61BEF0D-F0BB-DE4B-95CE-6DB70DBA9567}" type="datetimeFigureOut">
               <a:rPr lang="en-US" dirty="0"/>
               <a:pPr/>
-              <a:t>8/17/2016</a:t>
+              <a:t>8/18/2016</a:t>
             </a:fld>
             <a:endParaRPr lang="en-US" dirty="0"/>
           </a:p>
@@ -2041,7 +2049,7 @@
             <a:fld id="{B61BEF0D-F0BB-DE4B-95CE-6DB70DBA9567}" type="datetimeFigureOut">
               <a:rPr lang="en-US" dirty="0"/>
               <a:pPr/>
-              <a:t>8/17/2016</a:t>
+              <a:t>8/18/2016</a:t>
             </a:fld>
             <a:endParaRPr lang="en-US" dirty="0"/>
           </a:p>
@@ -2425,7 +2433,7 @@
             <a:fld id="{B61BEF0D-F0BB-DE4B-95CE-6DB70DBA9567}" type="datetimeFigureOut">
               <a:rPr lang="en-US" dirty="0"/>
               <a:pPr/>
-              <a:t>8/17/2016</a:t>
+              <a:t>8/18/2016</a:t>
             </a:fld>
             <a:endParaRPr lang="en-US" dirty="0"/>
           </a:p>
@@ -2591,7 +2599,7 @@
           <a:p>
             <a:fld id="{55C6B4A9-1611-4792-9094-5F34BCA07E0B}" type="datetimeFigureOut">
               <a:rPr lang="en-US" dirty="0"/>
-              <a:t>8/17/2016</a:t>
+              <a:t>8/18/2016</a:t>
             </a:fld>
             <a:endParaRPr lang="en-US" dirty="0"/>
           </a:p>
@@ -2767,7 +2775,7 @@
             <a:fld id="{B61BEF0D-F0BB-DE4B-95CE-6DB70DBA9567}" type="datetimeFigureOut">
               <a:rPr lang="en-US" dirty="0"/>
               <a:pPr/>
-              <a:t>8/17/2016</a:t>
+              <a:t>8/18/2016</a:t>
             </a:fld>
             <a:endParaRPr lang="en-US" dirty="0"/>
           </a:p>
@@ -2940,7 +2948,7 @@
             <a:fld id="{B61BEF0D-F0BB-DE4B-95CE-6DB70DBA9567}" type="datetimeFigureOut">
               <a:rPr lang="en-US" dirty="0"/>
               <a:pPr/>
-              <a:t>8/17/2016</a:t>
+              <a:t>8/18/2016</a:t>
             </a:fld>
             <a:endParaRPr lang="en-US" dirty="0"/>
           </a:p>
@@ -3184,7 +3192,7 @@
             <a:fld id="{B61BEF0D-F0BB-DE4B-95CE-6DB70DBA9567}" type="datetimeFigureOut">
               <a:rPr lang="en-US" dirty="0"/>
               <a:pPr/>
-              <a:t>8/17/2016</a:t>
+              <a:t>8/18/2016</a:t>
             </a:fld>
             <a:endParaRPr lang="en-US" dirty="0"/>
           </a:p>
@@ -3412,7 +3420,7 @@
           <a:p>
             <a:fld id="{EB712588-04B1-427B-82EE-E8DB90309F08}" type="datetimeFigureOut">
               <a:rPr lang="en-US" dirty="0"/>
-              <a:t>8/17/2016</a:t>
+              <a:t>8/18/2016</a:t>
             </a:fld>
             <a:endParaRPr lang="en-US" dirty="0"/>
           </a:p>
@@ -3782,7 +3790,7 @@
             <a:fld id="{B61BEF0D-F0BB-DE4B-95CE-6DB70DBA9567}" type="datetimeFigureOut">
               <a:rPr lang="en-US" dirty="0"/>
               <a:pPr/>
-              <a:t>8/17/2016</a:t>
+              <a:t>8/18/2016</a:t>
             </a:fld>
             <a:endParaRPr lang="en-US" dirty="0"/>
           </a:p>
@@ -3902,7 +3910,7 @@
             <a:fld id="{B61BEF0D-F0BB-DE4B-95CE-6DB70DBA9567}" type="datetimeFigureOut">
               <a:rPr lang="en-US" dirty="0"/>
               <a:pPr/>
-              <a:t>8/17/2016</a:t>
+              <a:t>8/18/2016</a:t>
             </a:fld>
             <a:endParaRPr lang="en-US" dirty="0"/>
           </a:p>
@@ -3994,7 +4002,7 @@
             <a:fld id="{B61BEF0D-F0BB-DE4B-95CE-6DB70DBA9567}" type="datetimeFigureOut">
               <a:rPr lang="en-US" dirty="0"/>
               <a:pPr/>
-              <a:t>8/17/2016</a:t>
+              <a:t>8/18/2016</a:t>
             </a:fld>
             <a:endParaRPr lang="en-US" dirty="0"/>
           </a:p>
@@ -4245,7 +4253,7 @@
           <a:p>
             <a:fld id="{42A54C80-263E-416B-A8E0-580EDEADCBDC}" type="datetimeFigureOut">
               <a:rPr lang="en-US" dirty="0"/>
-              <a:t>8/17/2016</a:t>
+              <a:t>8/18/2016</a:t>
             </a:fld>
             <a:endParaRPr lang="en-US" dirty="0"/>
           </a:p>
@@ -4504,7 +4512,7 @@
             <a:fld id="{B61BEF0D-F0BB-DE4B-95CE-6DB70DBA9567}" type="datetimeFigureOut">
               <a:rPr lang="en-US" dirty="0"/>
               <a:pPr/>
-              <a:t>8/17/2016</a:t>
+              <a:t>8/18/2016</a:t>
             </a:fld>
             <a:endParaRPr lang="en-US" dirty="0"/>
           </a:p>
@@ -5246,7 +5254,7 @@
             <a:fld id="{B61BEF0D-F0BB-DE4B-95CE-6DB70DBA9567}" type="datetimeFigureOut">
               <a:rPr lang="en-US" dirty="0"/>
               <a:pPr/>
-              <a:t>8/17/2016</a:t>
+              <a:t>8/18/2016</a:t>
             </a:fld>
             <a:endParaRPr lang="en-US" dirty="0"/>
           </a:p>
@@ -5820,6 +5828,13 @@
   <p:clrMapOvr>
     <a:masterClrMapping/>
   </p:clrMapOvr>
+  <p:timing>
+    <p:tnLst>
+      <p:par>
+        <p:cTn id="1" dur="indefinite" restart="never" nodeType="tmRoot"/>
+      </p:par>
+    </p:tnLst>
+  </p:timing>
 </p:sld>
 </file>
 
@@ -5925,6 +5940,13 @@
   <p:clrMapOvr>
     <a:masterClrMapping/>
   </p:clrMapOvr>
+  <p:timing>
+    <p:tnLst>
+      <p:par>
+        <p:cTn id="1" dur="indefinite" restart="never" nodeType="tmRoot"/>
+      </p:par>
+    </p:tnLst>
+  </p:timing>
 </p:sld>
 </file>
 
@@ -5955,6 +5977,677 @@
             <p:ph type="title"/>
           </p:nvPr>
         </p:nvSpPr>
+        <p:spPr/>
+        <p:txBody>
+          <a:bodyPr/>
+          <a:lstStyle/>
+          <a:p>
+            <a:pPr algn="ctr"/>
+            <a:r>
+              <a:rPr lang="en-US" dirty="0"/>
+              <a:t>How is XML used by Android</a:t>
+            </a:r>
+          </a:p>
+        </p:txBody>
+      </p:sp>
+      <p:sp>
+        <p:nvSpPr>
+          <p:cNvPr id="3" name="Content Placeholder 2"/>
+          <p:cNvSpPr>
+            <a:spLocks noGrp="1"/>
+          </p:cNvSpPr>
+          <p:nvPr>
+            <p:ph idx="1"/>
+          </p:nvPr>
+        </p:nvSpPr>
+        <p:spPr>
+          <a:xfrm>
+            <a:off x="677334" y="1476189"/>
+            <a:ext cx="8596668" cy="4565174"/>
+          </a:xfrm>
+        </p:spPr>
+        <p:txBody>
+          <a:bodyPr/>
+          <a:lstStyle/>
+          <a:p>
+            <a:r>
+              <a:rPr lang="en-US" dirty="0"/>
+              <a:t>Store Application settings</a:t>
+            </a:r>
+            <a:br>
+              <a:rPr lang="en-US" dirty="0"/>
+            </a:br>
+            <a:endParaRPr lang="en-US" dirty="0"/>
+          </a:p>
+          <a:p>
+            <a:r>
+              <a:rPr lang="en-US" dirty="0"/>
+              <a:t>AndroidManifest.xml contains your heading information that identifies your application and what libraries it needs to the Android OS.</a:t>
+            </a:r>
+            <a:br>
+              <a:rPr lang="en-US" dirty="0"/>
+            </a:br>
+            <a:endParaRPr lang="en-US" dirty="0"/>
+          </a:p>
+          <a:p>
+            <a:r>
+              <a:rPr lang="en-US" dirty="0"/>
+              <a:t>To determine the layout and appearance of your User Interfaces (Activities) </a:t>
+            </a:r>
+            <a:br>
+              <a:rPr lang="en-US" dirty="0"/>
+            </a:br>
+            <a:endParaRPr lang="en-US" dirty="0"/>
+          </a:p>
+          <a:p>
+            <a:r>
+              <a:rPr lang="en-US" dirty="0"/>
+              <a:t>Storage for any static resources, i.e. Help messages, notification text, etc..</a:t>
+            </a:r>
+          </a:p>
+        </p:txBody>
+      </p:sp>
+    </p:spTree>
+    <p:extLst>
+      <p:ext uri="{BB962C8B-B14F-4D97-AF65-F5344CB8AC3E}">
+        <p14:creationId xmlns:p14="http://schemas.microsoft.com/office/powerpoint/2010/main" val="2952818284"/>
+      </p:ext>
+    </p:extLst>
+  </p:cSld>
+  <p:clrMapOvr>
+    <a:masterClrMapping/>
+  </p:clrMapOvr>
+  <p:timing>
+    <p:tnLst>
+      <p:par>
+        <p:cTn id="1" dur="indefinite" restart="never" nodeType="tmRoot"/>
+      </p:par>
+    </p:tnLst>
+  </p:timing>
+</p:sld>
+</file>
+
+<file path=ppt/slides/slide12.xml><?xml version="1.0" encoding="utf-8"?>
+<p:sld xmlns:a="http://schemas.openxmlformats.org/drawingml/2006/main" xmlns:r="http://schemas.openxmlformats.org/officeDocument/2006/relationships" xmlns:p="http://schemas.openxmlformats.org/presentationml/2006/main">
+  <p:cSld>
+    <p:spTree>
+      <p:nvGrpSpPr>
+        <p:cNvPr id="1" name=""/>
+        <p:cNvGrpSpPr/>
+        <p:nvPr/>
+      </p:nvGrpSpPr>
+      <p:grpSpPr>
+        <a:xfrm>
+          <a:off x="0" y="0"/>
+          <a:ext cx="0" cy="0"/>
+          <a:chOff x="0" y="0"/>
+          <a:chExt cx="0" cy="0"/>
+        </a:xfrm>
+      </p:grpSpPr>
+      <p:sp>
+        <p:nvSpPr>
+          <p:cNvPr id="2" name="Title 1"/>
+          <p:cNvSpPr>
+            <a:spLocks noGrp="1"/>
+          </p:cNvSpPr>
+          <p:nvPr>
+            <p:ph type="title"/>
+          </p:nvPr>
+        </p:nvSpPr>
+        <p:spPr/>
+        <p:txBody>
+          <a:bodyPr/>
+          <a:lstStyle/>
+          <a:p>
+            <a:pPr algn="ctr"/>
+            <a:r>
+              <a:rPr lang="en-US" dirty="0" smtClean="0"/>
+              <a:t>Views</a:t>
+            </a:r>
+            <a:endParaRPr lang="en-US" dirty="0"/>
+          </a:p>
+        </p:txBody>
+      </p:sp>
+      <p:sp>
+        <p:nvSpPr>
+          <p:cNvPr id="3" name="Content Placeholder 2"/>
+          <p:cNvSpPr>
+            <a:spLocks noGrp="1"/>
+          </p:cNvSpPr>
+          <p:nvPr>
+            <p:ph idx="1"/>
+          </p:nvPr>
+        </p:nvSpPr>
+        <p:spPr/>
+        <p:txBody>
+          <a:bodyPr/>
+          <a:lstStyle/>
+          <a:p>
+            <a:r>
+              <a:rPr lang="en-US" dirty="0" smtClean="0"/>
+              <a:t>There are two kinds of views (what is actually displayed on the mobile device)</a:t>
+            </a:r>
+            <a:br>
+              <a:rPr lang="en-US" dirty="0" smtClean="0"/>
+            </a:br>
+            <a:endParaRPr lang="en-US" dirty="0" smtClean="0"/>
+          </a:p>
+          <a:p>
+            <a:pPr lvl="1"/>
+            <a:r>
+              <a:rPr lang="en-US" dirty="0" smtClean="0"/>
+              <a:t>Linear Layout Views</a:t>
+            </a:r>
+            <a:br>
+              <a:rPr lang="en-US" dirty="0" smtClean="0"/>
+            </a:br>
+            <a:endParaRPr lang="en-US" dirty="0" smtClean="0"/>
+          </a:p>
+          <a:p>
+            <a:pPr lvl="1"/>
+            <a:r>
+              <a:rPr lang="en-US" dirty="0" smtClean="0"/>
+              <a:t>Relative Layout Views</a:t>
+            </a:r>
+            <a:endParaRPr lang="en-US" dirty="0"/>
+          </a:p>
+        </p:txBody>
+      </p:sp>
+    </p:spTree>
+    <p:extLst>
+      <p:ext uri="{BB962C8B-B14F-4D97-AF65-F5344CB8AC3E}">
+        <p14:creationId xmlns:p14="http://schemas.microsoft.com/office/powerpoint/2010/main" val="1228107493"/>
+      </p:ext>
+    </p:extLst>
+  </p:cSld>
+  <p:clrMapOvr>
+    <a:masterClrMapping/>
+  </p:clrMapOvr>
+  <p:timing>
+    <p:tnLst>
+      <p:par>
+        <p:cTn id="1" dur="indefinite" restart="never" nodeType="tmRoot"/>
+      </p:par>
+    </p:tnLst>
+  </p:timing>
+</p:sld>
+</file>
+
+<file path=ppt/slides/slide13.xml><?xml version="1.0" encoding="utf-8"?>
+<p:sld xmlns:a="http://schemas.openxmlformats.org/drawingml/2006/main" xmlns:r="http://schemas.openxmlformats.org/officeDocument/2006/relationships" xmlns:p="http://schemas.openxmlformats.org/presentationml/2006/main">
+  <p:cSld>
+    <p:spTree>
+      <p:nvGrpSpPr>
+        <p:cNvPr id="1" name=""/>
+        <p:cNvGrpSpPr/>
+        <p:nvPr/>
+      </p:nvGrpSpPr>
+      <p:grpSpPr>
+        <a:xfrm>
+          <a:off x="0" y="0"/>
+          <a:ext cx="0" cy="0"/>
+          <a:chOff x="0" y="0"/>
+          <a:chExt cx="0" cy="0"/>
+        </a:xfrm>
+      </p:grpSpPr>
+      <p:sp>
+        <p:nvSpPr>
+          <p:cNvPr id="2" name="Title 1"/>
+          <p:cNvSpPr>
+            <a:spLocks noGrp="1"/>
+          </p:cNvSpPr>
+          <p:nvPr>
+            <p:ph type="title"/>
+          </p:nvPr>
+        </p:nvSpPr>
+        <p:spPr/>
+        <p:txBody>
+          <a:bodyPr/>
+          <a:lstStyle/>
+          <a:p>
+            <a:pPr algn="ctr"/>
+            <a:r>
+              <a:rPr lang="en-US" dirty="0" smtClean="0"/>
+              <a:t>Linear Layout</a:t>
+            </a:r>
+            <a:endParaRPr lang="en-US" dirty="0"/>
+          </a:p>
+        </p:txBody>
+      </p:sp>
+      <p:sp>
+        <p:nvSpPr>
+          <p:cNvPr id="3" name="Content Placeholder 2"/>
+          <p:cNvSpPr>
+            <a:spLocks noGrp="1"/>
+          </p:cNvSpPr>
+          <p:nvPr>
+            <p:ph idx="1"/>
+          </p:nvPr>
+        </p:nvSpPr>
+        <p:spPr/>
+        <p:txBody>
+          <a:bodyPr/>
+          <a:lstStyle/>
+          <a:p>
+            <a:r>
+              <a:rPr lang="en-US" dirty="0" smtClean="0"/>
+              <a:t>Everything is positioned based off of the size of the screen or some other hard point</a:t>
+            </a:r>
+            <a:br>
+              <a:rPr lang="en-US" dirty="0" smtClean="0"/>
+            </a:br>
+            <a:endParaRPr lang="en-US" dirty="0" smtClean="0"/>
+          </a:p>
+          <a:p>
+            <a:r>
+              <a:rPr lang="en-US" dirty="0" smtClean="0"/>
+              <a:t>Used when the size of views within the layout will not change size or shape</a:t>
+            </a:r>
+            <a:br>
+              <a:rPr lang="en-US" dirty="0" smtClean="0"/>
+            </a:br>
+            <a:endParaRPr lang="en-US" dirty="0" smtClean="0"/>
+          </a:p>
+          <a:p>
+            <a:r>
+              <a:rPr lang="en-US" dirty="0" smtClean="0"/>
+              <a:t>Commonly used for loading screens and simple applications</a:t>
+            </a:r>
+            <a:endParaRPr lang="en-US" dirty="0"/>
+          </a:p>
+        </p:txBody>
+      </p:sp>
+    </p:spTree>
+    <p:extLst>
+      <p:ext uri="{BB962C8B-B14F-4D97-AF65-F5344CB8AC3E}">
+        <p14:creationId xmlns:p14="http://schemas.microsoft.com/office/powerpoint/2010/main" val="3981178380"/>
+      </p:ext>
+    </p:extLst>
+  </p:cSld>
+  <p:clrMapOvr>
+    <a:masterClrMapping/>
+  </p:clrMapOvr>
+  <p:timing>
+    <p:tnLst>
+      <p:par>
+        <p:cTn id="1" dur="indefinite" restart="never" nodeType="tmRoot"/>
+      </p:par>
+    </p:tnLst>
+  </p:timing>
+</p:sld>
+</file>
+
+<file path=ppt/slides/slide14.xml><?xml version="1.0" encoding="utf-8"?>
+<p:sld xmlns:a="http://schemas.openxmlformats.org/drawingml/2006/main" xmlns:r="http://schemas.openxmlformats.org/officeDocument/2006/relationships" xmlns:p="http://schemas.openxmlformats.org/presentationml/2006/main">
+  <p:cSld>
+    <p:spTree>
+      <p:nvGrpSpPr>
+        <p:cNvPr id="1" name=""/>
+        <p:cNvGrpSpPr/>
+        <p:nvPr/>
+      </p:nvGrpSpPr>
+      <p:grpSpPr>
+        <a:xfrm>
+          <a:off x="0" y="0"/>
+          <a:ext cx="0" cy="0"/>
+          <a:chOff x="0" y="0"/>
+          <a:chExt cx="0" cy="0"/>
+        </a:xfrm>
+      </p:grpSpPr>
+      <p:sp>
+        <p:nvSpPr>
+          <p:cNvPr id="2" name="Title 1"/>
+          <p:cNvSpPr>
+            <a:spLocks noGrp="1"/>
+          </p:cNvSpPr>
+          <p:nvPr>
+            <p:ph type="title"/>
+          </p:nvPr>
+        </p:nvSpPr>
+        <p:spPr/>
+        <p:txBody>
+          <a:bodyPr/>
+          <a:lstStyle/>
+          <a:p>
+            <a:pPr algn="ctr"/>
+            <a:r>
+              <a:rPr lang="en-US" dirty="0" smtClean="0"/>
+              <a:t>Linear Layout Example</a:t>
+            </a:r>
+            <a:endParaRPr lang="en-US" dirty="0"/>
+          </a:p>
+        </p:txBody>
+      </p:sp>
+      <p:pic>
+        <p:nvPicPr>
+          <p:cNvPr id="4" name="Content Placeholder 3"/>
+          <p:cNvPicPr>
+            <a:picLocks noGrp="1" noChangeAspect="1"/>
+          </p:cNvPicPr>
+          <p:nvPr>
+            <p:ph idx="1"/>
+          </p:nvPr>
+        </p:nvPicPr>
+        <p:blipFill>
+          <a:blip r:embed="rId2"/>
+          <a:stretch>
+            <a:fillRect/>
+          </a:stretch>
+        </p:blipFill>
+        <p:spPr>
+          <a:xfrm>
+            <a:off x="677863" y="2168994"/>
+            <a:ext cx="8596312" cy="3864624"/>
+          </a:xfrm>
+          <a:prstGeom prst="rect">
+            <a:avLst/>
+          </a:prstGeom>
+        </p:spPr>
+      </p:pic>
+    </p:spTree>
+    <p:extLst>
+      <p:ext uri="{BB962C8B-B14F-4D97-AF65-F5344CB8AC3E}">
+        <p14:creationId xmlns:p14="http://schemas.microsoft.com/office/powerpoint/2010/main" val="2659778088"/>
+      </p:ext>
+    </p:extLst>
+  </p:cSld>
+  <p:clrMapOvr>
+    <a:masterClrMapping/>
+  </p:clrMapOvr>
+  <p:timing>
+    <p:tnLst>
+      <p:par>
+        <p:cTn id="1" dur="indefinite" restart="never" nodeType="tmRoot"/>
+      </p:par>
+    </p:tnLst>
+  </p:timing>
+</p:sld>
+</file>
+
+<file path=ppt/slides/slide15.xml><?xml version="1.0" encoding="utf-8"?>
+<p:sld xmlns:a="http://schemas.openxmlformats.org/drawingml/2006/main" xmlns:r="http://schemas.openxmlformats.org/officeDocument/2006/relationships" xmlns:p="http://schemas.openxmlformats.org/presentationml/2006/main">
+  <p:cSld>
+    <p:spTree>
+      <p:nvGrpSpPr>
+        <p:cNvPr id="1" name=""/>
+        <p:cNvGrpSpPr/>
+        <p:nvPr/>
+      </p:nvGrpSpPr>
+      <p:grpSpPr>
+        <a:xfrm>
+          <a:off x="0" y="0"/>
+          <a:ext cx="0" cy="0"/>
+          <a:chOff x="0" y="0"/>
+          <a:chExt cx="0" cy="0"/>
+        </a:xfrm>
+      </p:grpSpPr>
+      <p:sp>
+        <p:nvSpPr>
+          <p:cNvPr id="2" name="Title 1"/>
+          <p:cNvSpPr>
+            <a:spLocks noGrp="1"/>
+          </p:cNvSpPr>
+          <p:nvPr>
+            <p:ph type="title"/>
+          </p:nvPr>
+        </p:nvSpPr>
+        <p:spPr/>
+        <p:txBody>
+          <a:bodyPr/>
+          <a:lstStyle/>
+          <a:p>
+            <a:pPr algn="ctr"/>
+            <a:r>
+              <a:rPr lang="en-US" dirty="0" smtClean="0"/>
+              <a:t>Linear Layout Explained</a:t>
+            </a:r>
+            <a:endParaRPr lang="en-US" dirty="0"/>
+          </a:p>
+        </p:txBody>
+      </p:sp>
+      <p:sp>
+        <p:nvSpPr>
+          <p:cNvPr id="3" name="Content Placeholder 2"/>
+          <p:cNvSpPr>
+            <a:spLocks noGrp="1"/>
+          </p:cNvSpPr>
+          <p:nvPr>
+            <p:ph idx="1"/>
+          </p:nvPr>
+        </p:nvSpPr>
+        <p:spPr/>
+        <p:txBody>
+          <a:bodyPr/>
+          <a:lstStyle/>
+          <a:p>
+            <a:pPr lvl="2"/>
+            <a:r>
+              <a:rPr lang="en-US" dirty="0" smtClean="0"/>
+              <a:t>‘@’ – This tells the XML parser that what is coming next is a directive</a:t>
+            </a:r>
+            <a:br>
+              <a:rPr lang="en-US" dirty="0" smtClean="0"/>
+            </a:br>
+            <a:endParaRPr lang="en-US" dirty="0" smtClean="0"/>
+          </a:p>
+          <a:p>
+            <a:pPr lvl="2"/>
+            <a:r>
+              <a:rPr lang="en-US" dirty="0" smtClean="0"/>
+              <a:t>‘+’ – This tells the compiler that it is going to create a new resource</a:t>
+            </a:r>
+            <a:br>
+              <a:rPr lang="en-US" dirty="0" smtClean="0"/>
+            </a:br>
+            <a:endParaRPr lang="en-US" dirty="0" smtClean="0"/>
+          </a:p>
+          <a:p>
+            <a:pPr lvl="2"/>
+            <a:r>
+              <a:rPr lang="en-US" dirty="0" smtClean="0"/>
+              <a:t>‘id’ – This tells the compiler that the resource it is going to make is an ID</a:t>
+            </a:r>
+            <a:br>
+              <a:rPr lang="en-US" dirty="0" smtClean="0"/>
+            </a:br>
+            <a:endParaRPr lang="en-US" dirty="0" smtClean="0"/>
+          </a:p>
+          <a:p>
+            <a:pPr lvl="2"/>
+            <a:r>
+              <a:rPr lang="en-US" dirty="0" smtClean="0"/>
+              <a:t>‘/’ – Everything after this in the string is the ID you are giving this new resource</a:t>
+            </a:r>
+            <a:br>
+              <a:rPr lang="en-US" dirty="0" smtClean="0"/>
+            </a:br>
+            <a:endParaRPr lang="en-US" dirty="0" smtClean="0"/>
+          </a:p>
+          <a:p>
+            <a:pPr lvl="2"/>
+            <a:r>
+              <a:rPr lang="en-US" dirty="0" smtClean="0"/>
+              <a:t>You can then refer to your new resource in the view like so:</a:t>
+            </a:r>
+            <a:endParaRPr lang="en-US" dirty="0"/>
+          </a:p>
+        </p:txBody>
+      </p:sp>
+      <p:pic>
+        <p:nvPicPr>
+          <p:cNvPr id="4" name="Picture 3"/>
+          <p:cNvPicPr>
+            <a:picLocks noChangeAspect="1"/>
+          </p:cNvPicPr>
+          <p:nvPr/>
+        </p:nvPicPr>
+        <p:blipFill>
+          <a:blip r:embed="rId2"/>
+          <a:stretch>
+            <a:fillRect/>
+          </a:stretch>
+        </p:blipFill>
+        <p:spPr>
+          <a:xfrm>
+            <a:off x="1370455" y="4914432"/>
+            <a:ext cx="7210425" cy="447675"/>
+          </a:xfrm>
+          <a:prstGeom prst="rect">
+            <a:avLst/>
+          </a:prstGeom>
+        </p:spPr>
+      </p:pic>
+    </p:spTree>
+    <p:extLst>
+      <p:ext uri="{BB962C8B-B14F-4D97-AF65-F5344CB8AC3E}">
+        <p14:creationId xmlns:p14="http://schemas.microsoft.com/office/powerpoint/2010/main" val="2972490421"/>
+      </p:ext>
+    </p:extLst>
+  </p:cSld>
+  <p:clrMapOvr>
+    <a:masterClrMapping/>
+  </p:clrMapOvr>
+  <p:timing>
+    <p:tnLst>
+      <p:par>
+        <p:cTn id="1" dur="indefinite" restart="never" nodeType="tmRoot"/>
+      </p:par>
+    </p:tnLst>
+  </p:timing>
+</p:sld>
+</file>
+
+<file path=ppt/slides/slide16.xml><?xml version="1.0" encoding="utf-8"?>
+<p:sld xmlns:a="http://schemas.openxmlformats.org/drawingml/2006/main" xmlns:r="http://schemas.openxmlformats.org/officeDocument/2006/relationships" xmlns:p="http://schemas.openxmlformats.org/presentationml/2006/main">
+  <p:cSld>
+    <p:spTree>
+      <p:nvGrpSpPr>
+        <p:cNvPr id="1" name=""/>
+        <p:cNvGrpSpPr/>
+        <p:nvPr/>
+      </p:nvGrpSpPr>
+      <p:grpSpPr>
+        <a:xfrm>
+          <a:off x="0" y="0"/>
+          <a:ext cx="0" cy="0"/>
+          <a:chOff x="0" y="0"/>
+          <a:chExt cx="0" cy="0"/>
+        </a:xfrm>
+      </p:grpSpPr>
+      <p:sp>
+        <p:nvSpPr>
+          <p:cNvPr id="2" name="Title 1"/>
+          <p:cNvSpPr>
+            <a:spLocks noGrp="1"/>
+          </p:cNvSpPr>
+          <p:nvPr>
+            <p:ph type="title"/>
+          </p:nvPr>
+        </p:nvSpPr>
+        <p:spPr/>
+        <p:txBody>
+          <a:bodyPr/>
+          <a:lstStyle/>
+          <a:p>
+            <a:pPr algn="ctr"/>
+            <a:r>
+              <a:rPr lang="en-US" dirty="0" smtClean="0"/>
+              <a:t>Relative Layout</a:t>
+            </a:r>
+            <a:endParaRPr lang="en-US" dirty="0"/>
+          </a:p>
+        </p:txBody>
+      </p:sp>
+      <p:sp>
+        <p:nvSpPr>
+          <p:cNvPr id="3" name="Content Placeholder 2"/>
+          <p:cNvSpPr>
+            <a:spLocks noGrp="1"/>
+          </p:cNvSpPr>
+          <p:nvPr>
+            <p:ph idx="1"/>
+          </p:nvPr>
+        </p:nvSpPr>
+        <p:spPr/>
+        <p:txBody>
+          <a:bodyPr/>
+          <a:lstStyle/>
+          <a:p>
+            <a:r>
+              <a:rPr lang="en-US" dirty="0" smtClean="0"/>
+              <a:t>These look almost identical to a linear layout </a:t>
+            </a:r>
+            <a:br>
+              <a:rPr lang="en-US" dirty="0" smtClean="0"/>
+            </a:br>
+            <a:endParaRPr lang="en-US" dirty="0" smtClean="0"/>
+          </a:p>
+          <a:p>
+            <a:r>
+              <a:rPr lang="en-US" dirty="0" smtClean="0"/>
+              <a:t>However the positioning of resources are relative and subject to change</a:t>
+            </a:r>
+            <a:br>
+              <a:rPr lang="en-US" dirty="0" smtClean="0"/>
+            </a:br>
+            <a:endParaRPr lang="en-US" dirty="0" smtClean="0"/>
+          </a:p>
+          <a:p>
+            <a:r>
+              <a:rPr lang="en-US" dirty="0" smtClean="0"/>
+              <a:t>Used when the shape of views within the layout can change as the application runs</a:t>
+            </a:r>
+            <a:endParaRPr lang="en-US" dirty="0"/>
+          </a:p>
+        </p:txBody>
+      </p:sp>
+    </p:spTree>
+    <p:extLst>
+      <p:ext uri="{BB962C8B-B14F-4D97-AF65-F5344CB8AC3E}">
+        <p14:creationId xmlns:p14="http://schemas.microsoft.com/office/powerpoint/2010/main" val="2357780107"/>
+      </p:ext>
+    </p:extLst>
+  </p:cSld>
+  <p:clrMapOvr>
+    <a:masterClrMapping/>
+  </p:clrMapOvr>
+  <p:timing>
+    <p:tnLst>
+      <p:par>
+        <p:cTn id="1" dur="indefinite" restart="never" nodeType="tmRoot"/>
+      </p:par>
+    </p:tnLst>
+  </p:timing>
+</p:sld>
+</file>
+
+<file path=ppt/slides/slide17.xml><?xml version="1.0" encoding="utf-8"?>
+<p:sld xmlns:a="http://schemas.openxmlformats.org/drawingml/2006/main" xmlns:r="http://schemas.openxmlformats.org/officeDocument/2006/relationships" xmlns:p="http://schemas.openxmlformats.org/presentationml/2006/main">
+  <p:cSld>
+    <p:spTree>
+      <p:nvGrpSpPr>
+        <p:cNvPr id="1" name=""/>
+        <p:cNvGrpSpPr/>
+        <p:nvPr/>
+      </p:nvGrpSpPr>
+      <p:grpSpPr>
+        <a:xfrm>
+          <a:off x="0" y="0"/>
+          <a:ext cx="0" cy="0"/>
+          <a:chOff x="0" y="0"/>
+          <a:chExt cx="0" cy="0"/>
+        </a:xfrm>
+      </p:grpSpPr>
+      <p:sp>
+        <p:nvSpPr>
+          <p:cNvPr id="2" name="Title 1"/>
+          <p:cNvSpPr>
+            <a:spLocks noGrp="1"/>
+          </p:cNvSpPr>
+          <p:nvPr>
+            <p:ph type="title"/>
+          </p:nvPr>
+        </p:nvSpPr>
         <p:spPr>
           <a:xfrm>
             <a:off x="677334" y="609600"/>
@@ -6004,7 +6697,15 @@
             </a:r>
             <a:r>
               <a:rPr lang="en-US" dirty="0" smtClean="0"/>
-              <a:t> library for working with XML files</a:t>
+              <a:t> library for working with XML </a:t>
+            </a:r>
+            <a:r>
+              <a:rPr lang="en-US" dirty="0" smtClean="0"/>
+              <a:t>files that store data.</a:t>
+            </a:r>
+            <a:r>
+              <a:rPr lang="en-US" dirty="0" smtClean="0"/>
+              <a:t/>
             </a:r>
             <a:br>
               <a:rPr lang="en-US" dirty="0" smtClean="0"/>
@@ -6072,6 +6773,198 @@
   <p:clrMapOvr>
     <a:masterClrMapping/>
   </p:clrMapOvr>
+  <p:timing>
+    <p:tnLst>
+      <p:par>
+        <p:cTn id="1" dur="indefinite" restart="never" nodeType="tmRoot"/>
+      </p:par>
+    </p:tnLst>
+  </p:timing>
+</p:sld>
+</file>
+
+<file path=ppt/slides/slide18.xml><?xml version="1.0" encoding="utf-8"?>
+<p:sld xmlns:a="http://schemas.openxmlformats.org/drawingml/2006/main" xmlns:r="http://schemas.openxmlformats.org/officeDocument/2006/relationships" xmlns:p="http://schemas.openxmlformats.org/presentationml/2006/main">
+  <p:cSld>
+    <p:spTree>
+      <p:nvGrpSpPr>
+        <p:cNvPr id="1" name=""/>
+        <p:cNvGrpSpPr/>
+        <p:nvPr/>
+      </p:nvGrpSpPr>
+      <p:grpSpPr>
+        <a:xfrm>
+          <a:off x="0" y="0"/>
+          <a:ext cx="0" cy="0"/>
+          <a:chOff x="0" y="0"/>
+          <a:chExt cx="0" cy="0"/>
+        </a:xfrm>
+      </p:grpSpPr>
+      <p:sp>
+        <p:nvSpPr>
+          <p:cNvPr id="2" name="Title 1"/>
+          <p:cNvSpPr>
+            <a:spLocks noGrp="1"/>
+          </p:cNvSpPr>
+          <p:nvPr>
+            <p:ph type="title"/>
+          </p:nvPr>
+        </p:nvSpPr>
+        <p:spPr/>
+        <p:txBody>
+          <a:bodyPr/>
+          <a:lstStyle/>
+          <a:p>
+            <a:pPr algn="ctr"/>
+            <a:r>
+              <a:rPr lang="en-US" dirty="0" smtClean="0"/>
+              <a:t>Tools for XML</a:t>
+            </a:r>
+            <a:endParaRPr lang="en-US" dirty="0"/>
+          </a:p>
+        </p:txBody>
+      </p:sp>
+      <p:sp>
+        <p:nvSpPr>
+          <p:cNvPr id="3" name="Content Placeholder 2"/>
+          <p:cNvSpPr>
+            <a:spLocks noGrp="1"/>
+          </p:cNvSpPr>
+          <p:nvPr>
+            <p:ph idx="1"/>
+          </p:nvPr>
+        </p:nvSpPr>
+        <p:spPr/>
+        <p:txBody>
+          <a:bodyPr/>
+          <a:lstStyle/>
+          <a:p>
+            <a:endParaRPr lang="en-US" dirty="0" smtClean="0"/>
+          </a:p>
+          <a:p>
+            <a:pPr marL="0" indent="0" algn="ctr">
+              <a:buNone/>
+            </a:pPr>
+            <a:r>
+              <a:rPr lang="en-US" dirty="0" smtClean="0"/>
+              <a:t>Views and layout are…</a:t>
+            </a:r>
+            <a:endParaRPr lang="en-US" dirty="0"/>
+          </a:p>
+          <a:p>
+            <a:pPr marL="0" indent="0">
+              <a:buNone/>
+            </a:pPr>
+            <a:endParaRPr lang="en-US" dirty="0"/>
+          </a:p>
+          <a:p>
+            <a:pPr marL="0" indent="0" algn="ctr">
+              <a:buNone/>
+            </a:pPr>
+            <a:r>
+              <a:rPr lang="en-US" sz="4000" dirty="0" smtClean="0"/>
+              <a:t>Automatically Loaded in C#!</a:t>
+            </a:r>
+            <a:endParaRPr lang="en-US" sz="4000" dirty="0"/>
+          </a:p>
+        </p:txBody>
+      </p:sp>
+    </p:spTree>
+    <p:extLst>
+      <p:ext uri="{BB962C8B-B14F-4D97-AF65-F5344CB8AC3E}">
+        <p14:creationId xmlns:p14="http://schemas.microsoft.com/office/powerpoint/2010/main" val="2181918503"/>
+      </p:ext>
+    </p:extLst>
+  </p:cSld>
+  <p:clrMapOvr>
+    <a:masterClrMapping/>
+  </p:clrMapOvr>
+  <p:timing>
+    <p:tnLst>
+      <p:par>
+        <p:cTn id="1" dur="indefinite" restart="never" nodeType="tmRoot"/>
+      </p:par>
+    </p:tnLst>
+  </p:timing>
+</p:sld>
+</file>
+
+<file path=ppt/slides/slide19.xml><?xml version="1.0" encoding="utf-8"?>
+<p:sld xmlns:a="http://schemas.openxmlformats.org/drawingml/2006/main" xmlns:r="http://schemas.openxmlformats.org/officeDocument/2006/relationships" xmlns:p="http://schemas.openxmlformats.org/presentationml/2006/main">
+  <p:cSld>
+    <p:spTree>
+      <p:nvGrpSpPr>
+        <p:cNvPr id="1" name=""/>
+        <p:cNvGrpSpPr/>
+        <p:nvPr/>
+      </p:nvGrpSpPr>
+      <p:grpSpPr>
+        <a:xfrm>
+          <a:off x="0" y="0"/>
+          <a:ext cx="0" cy="0"/>
+          <a:chOff x="0" y="0"/>
+          <a:chExt cx="0" cy="0"/>
+        </a:xfrm>
+      </p:grpSpPr>
+      <p:sp>
+        <p:nvSpPr>
+          <p:cNvPr id="2" name="Title 1"/>
+          <p:cNvSpPr>
+            <a:spLocks noGrp="1"/>
+          </p:cNvSpPr>
+          <p:nvPr>
+            <p:ph type="ctrTitle"/>
+          </p:nvPr>
+        </p:nvSpPr>
+        <p:spPr/>
+        <p:txBody>
+          <a:bodyPr/>
+          <a:lstStyle/>
+          <a:p>
+            <a:r>
+              <a:rPr lang="en-US" dirty="0" smtClean="0"/>
+              <a:t>Questions?</a:t>
+            </a:r>
+            <a:endParaRPr lang="en-US" dirty="0"/>
+          </a:p>
+        </p:txBody>
+      </p:sp>
+      <p:sp>
+        <p:nvSpPr>
+          <p:cNvPr id="3" name="Subtitle 2"/>
+          <p:cNvSpPr>
+            <a:spLocks noGrp="1"/>
+          </p:cNvSpPr>
+          <p:nvPr>
+            <p:ph type="subTitle" idx="1"/>
+          </p:nvPr>
+        </p:nvSpPr>
+        <p:spPr/>
+        <p:txBody>
+          <a:bodyPr/>
+          <a:lstStyle/>
+          <a:p>
+            <a:endParaRPr lang="en-US" dirty="0"/>
+          </a:p>
+        </p:txBody>
+      </p:sp>
+    </p:spTree>
+    <p:extLst>
+      <p:ext uri="{BB962C8B-B14F-4D97-AF65-F5344CB8AC3E}">
+        <p14:creationId xmlns:p14="http://schemas.microsoft.com/office/powerpoint/2010/main" val="1560405399"/>
+      </p:ext>
+    </p:extLst>
+  </p:cSld>
+  <p:clrMapOvr>
+    <a:masterClrMapping/>
+  </p:clrMapOvr>
+  <p:timing>
+    <p:tnLst>
+      <p:par>
+        <p:cTn id="1" dur="indefinite" restart="never" nodeType="tmRoot"/>
+      </p:par>
+    </p:tnLst>
+  </p:timing>
 </p:sld>
 </file>
 
@@ -6189,6 +7082,13 @@
   <p:clrMapOvr>
     <a:masterClrMapping/>
   </p:clrMapOvr>
+  <p:timing>
+    <p:tnLst>
+      <p:par>
+        <p:cTn id="1" dur="indefinite" restart="never" nodeType="tmRoot"/>
+      </p:par>
+    </p:tnLst>
+  </p:timing>
 </p:sld>
 </file>
 
@@ -6292,6 +7192,13 @@
   <p:clrMapOvr>
     <a:masterClrMapping/>
   </p:clrMapOvr>
+  <p:timing>
+    <p:tnLst>
+      <p:par>
+        <p:cTn id="1" dur="indefinite" restart="never" nodeType="tmRoot"/>
+      </p:par>
+    </p:tnLst>
+  </p:timing>
 </p:sld>
 </file>
 
@@ -6400,6 +7307,11 @@
               <a:rPr lang="en-US" sz="2400" dirty="0"/>
               <a:t> </a:t>
             </a:r>
+            <a:r>
+              <a:rPr lang="en-US" sz="2400" dirty="0" smtClean="0"/>
+              <a:t>Supports separation of concerns</a:t>
+            </a:r>
+            <a:endParaRPr lang="en-US" sz="2400" dirty="0"/>
           </a:p>
         </p:txBody>
       </p:sp>
@@ -6413,6 +7325,13 @@
   <p:clrMapOvr>
     <a:masterClrMapping/>
   </p:clrMapOvr>
+  <p:timing>
+    <p:tnLst>
+      <p:par>
+        <p:cTn id="1" dur="indefinite" restart="never" nodeType="tmRoot"/>
+      </p:par>
+    </p:tnLst>
+  </p:timing>
 </p:sld>
 </file>
 
@@ -6443,16 +7362,30 @@
             <p:ph type="title"/>
           </p:nvPr>
         </p:nvSpPr>
-        <p:spPr/>
+        <p:spPr>
+          <a:xfrm>
+            <a:off x="677334" y="609600"/>
+            <a:ext cx="8596668" cy="741082"/>
+          </a:xfrm>
+        </p:spPr>
         <p:txBody>
           <a:bodyPr/>
           <a:lstStyle/>
           <a:p>
             <a:pPr algn="ctr"/>
             <a:r>
-              <a:rPr lang="en-US" dirty="0"/>
-              <a:t>How does XML work?</a:t>
-            </a:r>
+              <a:rPr lang="en-US" dirty="0" smtClean="0"/>
+              <a:t>Disa</a:t>
+            </a:r>
+            <a:r>
+              <a:rPr lang="en-US" dirty="0" smtClean="0"/>
+              <a:t>dvantages </a:t>
+            </a:r>
+            <a:r>
+              <a:rPr lang="en-US" dirty="0" smtClean="0"/>
+              <a:t>of XML</a:t>
+            </a:r>
+            <a:endParaRPr lang="en-US" dirty="0"/>
           </a:p>
         </p:txBody>
       </p:sp>
@@ -6466,66 +7399,84 @@
             <p:ph idx="1"/>
           </p:nvPr>
         </p:nvSpPr>
-        <p:spPr/>
-        <p:txBody>
-          <a:bodyPr/>
-          <a:lstStyle/>
-          <a:p>
-            <a:r>
-              <a:rPr lang="en-US" dirty="0"/>
-              <a:t>XML only has a handful of requirements to its layout. This is both a strength and a weakness</a:t>
+        <p:spPr>
+          <a:xfrm>
+            <a:off x="677334" y="1518025"/>
+            <a:ext cx="8596668" cy="4523338"/>
+          </a:xfrm>
+        </p:spPr>
+        <p:txBody>
+          <a:bodyPr/>
+          <a:lstStyle/>
+          <a:p>
+            <a:pPr lvl="2"/>
+            <a:r>
+              <a:rPr lang="en-US" sz="2400" dirty="0" smtClean="0"/>
+              <a:t> </a:t>
+            </a:r>
+            <a:r>
+              <a:rPr lang="en-US" sz="2400" dirty="0" smtClean="0"/>
+              <a:t>No Universal Standard</a:t>
+            </a:r>
+            <a:r>
+              <a:rPr lang="en-US" sz="2400" dirty="0" smtClean="0"/>
+              <a:t/>
             </a:r>
             <a:br>
-              <a:rPr lang="en-US" dirty="0"/>
+              <a:rPr lang="en-US" sz="2400" dirty="0" smtClean="0"/>
             </a:br>
-            <a:endParaRPr lang="en-US" dirty="0"/>
-          </a:p>
-          <a:p>
-            <a:r>
-              <a:rPr lang="en-US" dirty="0"/>
-              <a:t>All XML files must begin with &lt;?xml version=“1.0” encoding=“utf-8”?&gt;</a:t>
+            <a:endParaRPr lang="en-US" sz="2400" dirty="0" smtClean="0"/>
+          </a:p>
+          <a:p>
+            <a:pPr lvl="2"/>
+            <a:r>
+              <a:rPr lang="en-US" sz="2400" dirty="0"/>
+              <a:t> </a:t>
+            </a:r>
+            <a:r>
+              <a:rPr lang="en-US" sz="2400" dirty="0" smtClean="0"/>
+              <a:t>Data integrity must be maintained by the applications that use the XML file</a:t>
+            </a:r>
+            <a:r>
+              <a:rPr lang="en-US" sz="2400" dirty="0" smtClean="0"/>
+              <a:t/>
             </a:r>
             <a:br>
-              <a:rPr lang="en-US" dirty="0"/>
+              <a:rPr lang="en-US" sz="2400" dirty="0" smtClean="0"/>
             </a:br>
-            <a:endParaRPr lang="en-US" dirty="0"/>
-          </a:p>
-          <a:p>
-            <a:r>
-              <a:rPr lang="en-US" dirty="0"/>
-              <a:t>The XML document is a collection of Nodes that either contain further </a:t>
-            </a:r>
-            <a:r>
-              <a:rPr lang="en-US" dirty="0" smtClean="0"/>
-              <a:t>child </a:t>
-            </a:r>
-            <a:r>
-              <a:rPr lang="en-US" dirty="0"/>
-              <a:t>nodes or some form of text</a:t>
-            </a:r>
-            <a:br>
-              <a:rPr lang="en-US" dirty="0"/>
-            </a:br>
-            <a:endParaRPr lang="en-US" dirty="0"/>
-          </a:p>
-          <a:p>
-            <a:r>
-              <a:rPr lang="en-US" dirty="0"/>
-              <a:t>Remember the purpose of XML is store static resources in a well organized manner for other applications to use. </a:t>
-            </a:r>
+            <a:endParaRPr lang="en-US" sz="2400" dirty="0" smtClean="0"/>
+          </a:p>
+          <a:p>
+            <a:pPr lvl="2"/>
+            <a:r>
+              <a:rPr lang="en-US" sz="2400" dirty="0"/>
+              <a:t> </a:t>
+            </a:r>
+            <a:r>
+              <a:rPr lang="en-US" sz="2400" dirty="0" smtClean="0"/>
+              <a:t>Requires separate parsing applications</a:t>
+            </a:r>
+            <a:endParaRPr lang="en-US" sz="2400" dirty="0"/>
           </a:p>
         </p:txBody>
       </p:sp>
     </p:spTree>
     <p:extLst>
       <p:ext uri="{BB962C8B-B14F-4D97-AF65-F5344CB8AC3E}">
-        <p14:creationId xmlns:p14="http://schemas.microsoft.com/office/powerpoint/2010/main" val="4087136672"/>
+        <p14:creationId xmlns:p14="http://schemas.microsoft.com/office/powerpoint/2010/main" val="4245463128"/>
       </p:ext>
     </p:extLst>
   </p:cSld>
   <p:clrMapOvr>
     <a:masterClrMapping/>
   </p:clrMapOvr>
+  <p:timing>
+    <p:tnLst>
+      <p:par>
+        <p:cTn id="1" dur="indefinite" restart="never" nodeType="tmRoot"/>
+      </p:par>
+    </p:tnLst>
+  </p:timing>
 </p:sld>
 </file>
 
@@ -6564,6 +7515,126 @@
             <a:pPr algn="ctr"/>
             <a:r>
               <a:rPr lang="en-US" dirty="0"/>
+              <a:t>How does XML work?</a:t>
+            </a:r>
+          </a:p>
+        </p:txBody>
+      </p:sp>
+      <p:sp>
+        <p:nvSpPr>
+          <p:cNvPr id="3" name="Content Placeholder 2"/>
+          <p:cNvSpPr>
+            <a:spLocks noGrp="1"/>
+          </p:cNvSpPr>
+          <p:nvPr>
+            <p:ph idx="1"/>
+          </p:nvPr>
+        </p:nvSpPr>
+        <p:spPr/>
+        <p:txBody>
+          <a:bodyPr/>
+          <a:lstStyle/>
+          <a:p>
+            <a:r>
+              <a:rPr lang="en-US" dirty="0"/>
+              <a:t>XML only has a handful of requirements to its layout. This is both a strength and a weakness</a:t>
+            </a:r>
+            <a:br>
+              <a:rPr lang="en-US" dirty="0"/>
+            </a:br>
+            <a:endParaRPr lang="en-US" dirty="0"/>
+          </a:p>
+          <a:p>
+            <a:r>
+              <a:rPr lang="en-US" dirty="0"/>
+              <a:t>All XML files must begin with &lt;?xml version=“1.0” encoding=“utf-8”?&gt;</a:t>
+            </a:r>
+            <a:br>
+              <a:rPr lang="en-US" dirty="0"/>
+            </a:br>
+            <a:endParaRPr lang="en-US" dirty="0"/>
+          </a:p>
+          <a:p>
+            <a:r>
+              <a:rPr lang="en-US" dirty="0"/>
+              <a:t>The XML document is a collection of Nodes that either contain further </a:t>
+            </a:r>
+            <a:r>
+              <a:rPr lang="en-US" dirty="0" smtClean="0"/>
+              <a:t>child </a:t>
+            </a:r>
+            <a:r>
+              <a:rPr lang="en-US" dirty="0"/>
+              <a:t>nodes or some form of text</a:t>
+            </a:r>
+            <a:br>
+              <a:rPr lang="en-US" dirty="0"/>
+            </a:br>
+            <a:endParaRPr lang="en-US" dirty="0"/>
+          </a:p>
+          <a:p>
+            <a:r>
+              <a:rPr lang="en-US" dirty="0"/>
+              <a:t>Remember the purpose of XML is store static resources in a well organized manner for other applications to use. </a:t>
+            </a:r>
+          </a:p>
+        </p:txBody>
+      </p:sp>
+    </p:spTree>
+    <p:extLst>
+      <p:ext uri="{BB962C8B-B14F-4D97-AF65-F5344CB8AC3E}">
+        <p14:creationId xmlns:p14="http://schemas.microsoft.com/office/powerpoint/2010/main" val="4087136672"/>
+      </p:ext>
+    </p:extLst>
+  </p:cSld>
+  <p:clrMapOvr>
+    <a:masterClrMapping/>
+  </p:clrMapOvr>
+  <p:timing>
+    <p:tnLst>
+      <p:par>
+        <p:cTn id="1" dur="indefinite" restart="never" nodeType="tmRoot"/>
+      </p:par>
+    </p:tnLst>
+  </p:timing>
+</p:sld>
+</file>
+
+<file path=ppt/slides/slide7.xml><?xml version="1.0" encoding="utf-8"?>
+<p:sld xmlns:a="http://schemas.openxmlformats.org/drawingml/2006/main" xmlns:r="http://schemas.openxmlformats.org/officeDocument/2006/relationships" xmlns:p="http://schemas.openxmlformats.org/presentationml/2006/main">
+  <p:cSld>
+    <p:spTree>
+      <p:nvGrpSpPr>
+        <p:cNvPr id="1" name=""/>
+        <p:cNvGrpSpPr/>
+        <p:nvPr/>
+      </p:nvGrpSpPr>
+      <p:grpSpPr>
+        <a:xfrm>
+          <a:off x="0" y="0"/>
+          <a:ext cx="0" cy="0"/>
+          <a:chOff x="0" y="0"/>
+          <a:chExt cx="0" cy="0"/>
+        </a:xfrm>
+      </p:grpSpPr>
+      <p:sp>
+        <p:nvSpPr>
+          <p:cNvPr id="2" name="Title 1"/>
+          <p:cNvSpPr>
+            <a:spLocks noGrp="1"/>
+          </p:cNvSpPr>
+          <p:nvPr>
+            <p:ph type="title"/>
+          </p:nvPr>
+        </p:nvSpPr>
+        <p:spPr/>
+        <p:txBody>
+          <a:bodyPr/>
+          <a:lstStyle/>
+          <a:p>
+            <a:pPr algn="ctr"/>
+            <a:r>
+              <a:rPr lang="en-US" dirty="0"/>
               <a:t>Example XML Document</a:t>
             </a:r>
           </a:p>
@@ -6571,7 +7642,7 @@
       </p:sp>
       <p:pic>
         <p:nvPicPr>
-          <p:cNvPr id="4" name="Content Placeholder 3"/>
+          <p:cNvPr id="5" name="Content Placeholder 4"/>
           <p:cNvPicPr>
             <a:picLocks noGrp="1" noChangeAspect="1"/>
           </p:cNvPicPr>
@@ -6587,9 +7658,12 @@
         </p:blipFill>
         <p:spPr>
           <a:xfrm>
-            <a:off x="2498345" y="1930400"/>
-            <a:ext cx="4954646" cy="4537055"/>
+            <a:off x="2813010" y="1685366"/>
+            <a:ext cx="4325316" cy="4356660"/>
           </a:xfrm>
+          <a:prstGeom prst="rect">
+            <a:avLst/>
+          </a:prstGeom>
         </p:spPr>
       </p:pic>
     </p:spTree>
@@ -6602,10 +7676,17 @@
   <p:clrMapOvr>
     <a:masterClrMapping/>
   </p:clrMapOvr>
+  <p:timing>
+    <p:tnLst>
+      <p:par>
+        <p:cTn id="1" dur="indefinite" restart="never" nodeType="tmRoot"/>
+      </p:par>
+    </p:tnLst>
+  </p:timing>
 </p:sld>
 </file>
 
-<file path=ppt/slides/slide7.xml><?xml version="1.0" encoding="utf-8"?>
+<file path=ppt/slides/slide8.xml><?xml version="1.0" encoding="utf-8"?>
 <p:sld xmlns:a="http://schemas.openxmlformats.org/drawingml/2006/main" xmlns:r="http://schemas.openxmlformats.org/officeDocument/2006/relationships" xmlns:p="http://schemas.openxmlformats.org/presentationml/2006/main">
   <p:cSld>
     <p:spTree>
@@ -6689,10 +7770,17 @@
   <p:clrMapOvr>
     <a:masterClrMapping/>
   </p:clrMapOvr>
+  <p:timing>
+    <p:tnLst>
+      <p:par>
+        <p:cTn id="1" dur="indefinite" restart="never" nodeType="tmRoot"/>
+      </p:par>
+    </p:tnLst>
+  </p:timing>
 </p:sld>
 </file>
 
-<file path=ppt/slides/slide8.xml><?xml version="1.0" encoding="utf-8"?>
+<file path=ppt/slides/slide9.xml><?xml version="1.0" encoding="utf-8"?>
 <p:sld xmlns:a="http://schemas.openxmlformats.org/drawingml/2006/main" xmlns:r="http://schemas.openxmlformats.org/officeDocument/2006/relationships" xmlns:p="http://schemas.openxmlformats.org/presentationml/2006/main">
   <p:cSld>
     <p:spTree>
@@ -6824,116 +7912,13 @@
   <p:clrMapOvr>
     <a:masterClrMapping/>
   </p:clrMapOvr>
-</p:sld>
-</file>
-
-<file path=ppt/slides/slide9.xml><?xml version="1.0" encoding="utf-8"?>
-<p:sld xmlns:a="http://schemas.openxmlformats.org/drawingml/2006/main" xmlns:r="http://schemas.openxmlformats.org/officeDocument/2006/relationships" xmlns:p="http://schemas.openxmlformats.org/presentationml/2006/main">
-  <p:cSld>
-    <p:spTree>
-      <p:nvGrpSpPr>
-        <p:cNvPr id="1" name=""/>
-        <p:cNvGrpSpPr/>
-        <p:nvPr/>
-      </p:nvGrpSpPr>
-      <p:grpSpPr>
-        <a:xfrm>
-          <a:off x="0" y="0"/>
-          <a:ext cx="0" cy="0"/>
-          <a:chOff x="0" y="0"/>
-          <a:chExt cx="0" cy="0"/>
-        </a:xfrm>
-      </p:grpSpPr>
-      <p:sp>
-        <p:nvSpPr>
-          <p:cNvPr id="2" name="Title 1"/>
-          <p:cNvSpPr>
-            <a:spLocks noGrp="1"/>
-          </p:cNvSpPr>
-          <p:nvPr>
-            <p:ph type="title"/>
-          </p:nvPr>
-        </p:nvSpPr>
-        <p:spPr/>
-        <p:txBody>
-          <a:bodyPr/>
-          <a:lstStyle/>
-          <a:p>
-            <a:pPr algn="ctr"/>
-            <a:r>
-              <a:rPr lang="en-US" dirty="0"/>
-              <a:t>How is XML used by Android</a:t>
-            </a:r>
-          </a:p>
-        </p:txBody>
-      </p:sp>
-      <p:sp>
-        <p:nvSpPr>
-          <p:cNvPr id="3" name="Content Placeholder 2"/>
-          <p:cNvSpPr>
-            <a:spLocks noGrp="1"/>
-          </p:cNvSpPr>
-          <p:nvPr>
-            <p:ph idx="1"/>
-          </p:nvPr>
-        </p:nvSpPr>
-        <p:spPr>
-          <a:xfrm>
-            <a:off x="677334" y="1476189"/>
-            <a:ext cx="8596668" cy="4565174"/>
-          </a:xfrm>
-        </p:spPr>
-        <p:txBody>
-          <a:bodyPr/>
-          <a:lstStyle/>
-          <a:p>
-            <a:r>
-              <a:rPr lang="en-US" dirty="0"/>
-              <a:t>Store Application settings</a:t>
-            </a:r>
-            <a:br>
-              <a:rPr lang="en-US" dirty="0"/>
-            </a:br>
-            <a:endParaRPr lang="en-US" dirty="0"/>
-          </a:p>
-          <a:p>
-            <a:r>
-              <a:rPr lang="en-US" dirty="0"/>
-              <a:t>AndroidManifest.xml contains your heading information that identifies your application and what libraries it needs to the Android OS.</a:t>
-            </a:r>
-            <a:br>
-              <a:rPr lang="en-US" dirty="0"/>
-            </a:br>
-            <a:endParaRPr lang="en-US" dirty="0"/>
-          </a:p>
-          <a:p>
-            <a:r>
-              <a:rPr lang="en-US" dirty="0"/>
-              <a:t>To determine the layout and appearance of your User Interfaces (Activities) </a:t>
-            </a:r>
-            <a:br>
-              <a:rPr lang="en-US" dirty="0"/>
-            </a:br>
-            <a:endParaRPr lang="en-US" dirty="0"/>
-          </a:p>
-          <a:p>
-            <a:r>
-              <a:rPr lang="en-US" dirty="0"/>
-              <a:t>Storage for any static resources, i.e. Help messages, notification text, etc..</a:t>
-            </a:r>
-          </a:p>
-        </p:txBody>
-      </p:sp>
-    </p:spTree>
-    <p:extLst>
-      <p:ext uri="{BB962C8B-B14F-4D97-AF65-F5344CB8AC3E}">
-        <p14:creationId xmlns:p14="http://schemas.microsoft.com/office/powerpoint/2010/main" val="2952818284"/>
-      </p:ext>
-    </p:extLst>
-  </p:cSld>
-  <p:clrMapOvr>
-    <a:masterClrMapping/>
-  </p:clrMapOvr>
+  <p:timing>
+    <p:tnLst>
+      <p:par>
+        <p:cTn id="1" dur="indefinite" restart="never" nodeType="tmRoot"/>
+      </p:par>
+    </p:tnLst>
+  </p:timing>
 </p:sld>
 </file>
 
